--- a/Homework 9 - Distributed Applications/load_balancer.pptx
+++ b/Homework 9 - Distributed Applications/load_balancer.pptx
@@ -7,18 +7,11 @@
   <p:sldIdLst>
     <p:sldId id="256" r:id="rId2"/>
     <p:sldId id="259" r:id="rId3"/>
-    <p:sldId id="260" r:id="rId4"/>
-    <p:sldId id="265" r:id="rId5"/>
-    <p:sldId id="263" r:id="rId6"/>
-    <p:sldId id="266" r:id="rId7"/>
-    <p:sldId id="267" r:id="rId8"/>
-    <p:sldId id="261" r:id="rId9"/>
-    <p:sldId id="269" r:id="rId10"/>
-    <p:sldId id="270" r:id="rId11"/>
-    <p:sldId id="271" r:id="rId12"/>
-    <p:sldId id="272" r:id="rId13"/>
-    <p:sldId id="264" r:id="rId14"/>
-    <p:sldId id="268" r:id="rId15"/>
+    <p:sldId id="265" r:id="rId4"/>
+    <p:sldId id="260" r:id="rId5"/>
+    <p:sldId id="261" r:id="rId6"/>
+    <p:sldId id="262" r:id="rId7"/>
+    <p:sldId id="263" r:id="rId8"/>
   </p:sldIdLst>
   <p:sldSz cx="12192000" cy="6858000"/>
   <p:notesSz cx="6858000" cy="9144000"/>
@@ -119,18 +112,7 @@
   </p:defaultTextStyle>
   <p:extLst>
     <p:ext uri="{EFAFB233-063F-42B5-8137-9DF3F51BA10A}">
-      <p15:sldGuideLst xmlns:p15="http://schemas.microsoft.com/office/powerpoint/2012/main">
-        <p15:guide id="1" orient="horz" pos="2160">
-          <p15:clr>
-            <a:srgbClr val="A4A3A4"/>
-          </p15:clr>
-        </p15:guide>
-        <p15:guide id="2" pos="3840">
-          <p15:clr>
-            <a:srgbClr val="A4A3A4"/>
-          </p15:clr>
-        </p15:guide>
-      </p15:sldGuideLst>
+      <p15:sldGuideLst xmlns:p15="http://schemas.microsoft.com/office/powerpoint/2012/main"/>
     </p:ext>
   </p:extLst>
 </p:presentation>
@@ -279,8 +261,7 @@
           <a:p>
             <a:fld id="{96A11333-1686-4B90-ACDF-EB3235633EFE}" type="datetimeFigureOut">
               <a:rPr lang="en-US" smtClean="0"/>
-              <a:pPr/>
-              <a:t>11/4/2017</a:t>
+              <a:t>11/2/2017</a:t>
             </a:fld>
             <a:endParaRPr lang="en-US"/>
           </a:p>
@@ -332,7 +313,6 @@
           <a:p>
             <a:fld id="{88836477-6168-4A3F-B9E5-22B017C1F904}" type="slidenum">
               <a:rPr lang="en-US" smtClean="0"/>
-              <a:pPr/>
               <a:t>‹#›</a:t>
             </a:fld>
             <a:endParaRPr lang="en-US"/>
@@ -501,8 +481,7 @@
           <a:p>
             <a:fld id="{96A11333-1686-4B90-ACDF-EB3235633EFE}" type="datetimeFigureOut">
               <a:rPr lang="en-US" smtClean="0"/>
-              <a:pPr/>
-              <a:t>11/4/2017</a:t>
+              <a:t>11/2/2017</a:t>
             </a:fld>
             <a:endParaRPr lang="en-US"/>
           </a:p>
@@ -544,7 +523,6 @@
           <a:p>
             <a:fld id="{88836477-6168-4A3F-B9E5-22B017C1F904}" type="slidenum">
               <a:rPr lang="en-US" smtClean="0"/>
-              <a:pPr/>
               <a:t>‹#›</a:t>
             </a:fld>
             <a:endParaRPr lang="en-US"/>
@@ -727,8 +705,7 @@
           <a:p>
             <a:fld id="{96A11333-1686-4B90-ACDF-EB3235633EFE}" type="datetimeFigureOut">
               <a:rPr lang="en-US" smtClean="0"/>
-              <a:pPr/>
-              <a:t>11/4/2017</a:t>
+              <a:t>11/2/2017</a:t>
             </a:fld>
             <a:endParaRPr lang="en-US"/>
           </a:p>
@@ -770,7 +747,6 @@
           <a:p>
             <a:fld id="{88836477-6168-4A3F-B9E5-22B017C1F904}" type="slidenum">
               <a:rPr lang="en-US" smtClean="0"/>
-              <a:pPr/>
               <a:t>‹#›</a:t>
             </a:fld>
             <a:endParaRPr lang="en-US"/>
@@ -943,8 +919,7 @@
           <a:p>
             <a:fld id="{96A11333-1686-4B90-ACDF-EB3235633EFE}" type="datetimeFigureOut">
               <a:rPr lang="en-US" smtClean="0"/>
-              <a:pPr/>
-              <a:t>11/4/2017</a:t>
+              <a:t>11/2/2017</a:t>
             </a:fld>
             <a:endParaRPr lang="en-US"/>
           </a:p>
@@ -990,7 +965,6 @@
           <a:p>
             <a:fld id="{88836477-6168-4A3F-B9E5-22B017C1F904}" type="slidenum">
               <a:rPr lang="en-US" smtClean="0"/>
-              <a:pPr/>
               <a:t>‹#›</a:t>
             </a:fld>
             <a:endParaRPr lang="en-US"/>
@@ -1237,8 +1211,7 @@
           <a:p>
             <a:fld id="{96A11333-1686-4B90-ACDF-EB3235633EFE}" type="datetimeFigureOut">
               <a:rPr lang="en-US" smtClean="0"/>
-              <a:pPr/>
-              <a:t>11/4/2017</a:t>
+              <a:t>11/2/2017</a:t>
             </a:fld>
             <a:endParaRPr lang="en-US"/>
           </a:p>
@@ -1280,7 +1253,6 @@
           <a:p>
             <a:fld id="{88836477-6168-4A3F-B9E5-22B017C1F904}" type="slidenum">
               <a:rPr lang="en-US" smtClean="0"/>
-              <a:pPr/>
               <a:t>‹#›</a:t>
             </a:fld>
             <a:endParaRPr lang="en-US"/>
@@ -1516,8 +1488,7 @@
           <a:p>
             <a:fld id="{96A11333-1686-4B90-ACDF-EB3235633EFE}" type="datetimeFigureOut">
               <a:rPr lang="en-US" smtClean="0"/>
-              <a:pPr/>
-              <a:t>11/4/2017</a:t>
+              <a:t>11/2/2017</a:t>
             </a:fld>
             <a:endParaRPr lang="en-US"/>
           </a:p>
@@ -1559,7 +1530,6 @@
           <a:p>
             <a:fld id="{88836477-6168-4A3F-B9E5-22B017C1F904}" type="slidenum">
               <a:rPr lang="en-US" smtClean="0"/>
-              <a:pPr/>
               <a:t>‹#›</a:t>
             </a:fld>
             <a:endParaRPr lang="en-US"/>
@@ -1943,8 +1913,7 @@
           <a:p>
             <a:fld id="{96A11333-1686-4B90-ACDF-EB3235633EFE}" type="datetimeFigureOut">
               <a:rPr lang="en-US" smtClean="0"/>
-              <a:pPr/>
-              <a:t>11/4/2017</a:t>
+              <a:t>11/2/2017</a:t>
             </a:fld>
             <a:endParaRPr lang="en-US"/>
           </a:p>
@@ -1986,7 +1955,6 @@
           <a:p>
             <a:fld id="{88836477-6168-4A3F-B9E5-22B017C1F904}" type="slidenum">
               <a:rPr lang="en-US" smtClean="0"/>
-              <a:pPr/>
               <a:t>‹#›</a:t>
             </a:fld>
             <a:endParaRPr lang="en-US"/>
@@ -2103,8 +2071,7 @@
           <a:p>
             <a:fld id="{96A11333-1686-4B90-ACDF-EB3235633EFE}" type="datetimeFigureOut">
               <a:rPr lang="en-US" smtClean="0"/>
-              <a:pPr/>
-              <a:t>11/4/2017</a:t>
+              <a:t>11/2/2017</a:t>
             </a:fld>
             <a:endParaRPr lang="en-US"/>
           </a:p>
@@ -2146,7 +2113,6 @@
           <a:p>
             <a:fld id="{88836477-6168-4A3F-B9E5-22B017C1F904}" type="slidenum">
               <a:rPr lang="en-US" smtClean="0"/>
-              <a:pPr/>
               <a:t>‹#›</a:t>
             </a:fld>
             <a:endParaRPr lang="en-US"/>
@@ -2240,8 +2206,7 @@
           <a:p>
             <a:fld id="{96A11333-1686-4B90-ACDF-EB3235633EFE}" type="datetimeFigureOut">
               <a:rPr lang="en-US" smtClean="0"/>
-              <a:pPr/>
-              <a:t>11/4/2017</a:t>
+              <a:t>11/2/2017</a:t>
             </a:fld>
             <a:endParaRPr lang="en-US"/>
           </a:p>
@@ -2283,7 +2248,6 @@
           <a:p>
             <a:fld id="{88836477-6168-4A3F-B9E5-22B017C1F904}" type="slidenum">
               <a:rPr lang="en-US" smtClean="0"/>
-              <a:pPr/>
               <a:t>‹#›</a:t>
             </a:fld>
             <a:endParaRPr lang="en-US"/>
@@ -2493,8 +2457,7 @@
           <a:p>
             <a:fld id="{96A11333-1686-4B90-ACDF-EB3235633EFE}" type="datetimeFigureOut">
               <a:rPr lang="en-US" smtClean="0"/>
-              <a:pPr/>
-              <a:t>11/4/2017</a:t>
+              <a:t>11/2/2017</a:t>
             </a:fld>
             <a:endParaRPr lang="en-US"/>
           </a:p>
@@ -2536,7 +2499,6 @@
           <a:p>
             <a:fld id="{88836477-6168-4A3F-B9E5-22B017C1F904}" type="slidenum">
               <a:rPr lang="en-US" smtClean="0"/>
-              <a:pPr/>
               <a:t>‹#›</a:t>
             </a:fld>
             <a:endParaRPr lang="en-US"/>
@@ -2955,8 +2917,7 @@
           <a:p>
             <a:fld id="{96A11333-1686-4B90-ACDF-EB3235633EFE}" type="datetimeFigureOut">
               <a:rPr lang="en-US" smtClean="0"/>
-              <a:pPr/>
-              <a:t>11/4/2017</a:t>
+              <a:t>11/2/2017</a:t>
             </a:fld>
             <a:endParaRPr lang="en-US"/>
           </a:p>
@@ -3008,7 +2969,6 @@
           <a:p>
             <a:fld id="{88836477-6168-4A3F-B9E5-22B017C1F904}" type="slidenum">
               <a:rPr lang="en-US" smtClean="0"/>
-              <a:pPr/>
               <a:t>‹#›</a:t>
             </a:fld>
             <a:endParaRPr lang="en-US"/>
@@ -3338,8 +3298,7 @@
           <a:p>
             <a:fld id="{96A11333-1686-4B90-ACDF-EB3235633EFE}" type="datetimeFigureOut">
               <a:rPr lang="en-US" smtClean="0"/>
-              <a:pPr/>
-              <a:t>11/4/2017</a:t>
+              <a:t>11/2/2017</a:t>
             </a:fld>
             <a:endParaRPr lang="en-US"/>
           </a:p>
@@ -3415,7 +3374,6 @@
           <a:p>
             <a:fld id="{88836477-6168-4A3F-B9E5-22B017C1F904}" type="slidenum">
               <a:rPr lang="en-US" smtClean="0"/>
-              <a:pPr/>
               <a:t>‹#›</a:t>
             </a:fld>
             <a:endParaRPr lang="en-US"/>
@@ -4191,8 +4149,8 @@
         </p:nvSpPr>
         <p:spPr>
           <a:xfrm>
-            <a:off x="1465549" y="2733030"/>
-            <a:ext cx="1910697" cy="755758"/>
+            <a:off x="1282669" y="2789300"/>
+            <a:ext cx="2672862" cy="1531030"/>
           </a:xfrm>
           <a:prstGeom prst="roundRect">
             <a:avLst/>
@@ -4240,8 +4198,8 @@
         </p:nvSpPr>
         <p:spPr>
           <a:xfrm>
-            <a:off x="1493685" y="3820803"/>
-            <a:ext cx="1910697" cy="765265"/>
+            <a:off x="1282669" y="4538255"/>
+            <a:ext cx="2672862" cy="1531030"/>
           </a:xfrm>
           <a:prstGeom prst="roundRect">
             <a:avLst/>
@@ -4268,10 +4226,6 @@
           <a:lstStyle/>
           <a:p>
             <a:pPr algn="ctr"/>
-            <a:endParaRPr lang="en-US" dirty="0"/>
-          </a:p>
-          <a:p>
-            <a:pPr algn="ctr"/>
             <a:r>
               <a:rPr lang="en-US" dirty="0"/>
               <a:t>Minimize response time</a:t>
@@ -4297,8 +4251,8 @@
         </p:nvSpPr>
         <p:spPr>
           <a:xfrm>
-            <a:off x="8313900" y="2704896"/>
-            <a:ext cx="1871109" cy="755757"/>
+            <a:off x="8060682" y="2789300"/>
+            <a:ext cx="2672862" cy="1531030"/>
           </a:xfrm>
           <a:prstGeom prst="roundRect">
             <a:avLst/>
@@ -4325,10 +4279,6 @@
           <a:lstStyle/>
           <a:p>
             <a:pPr algn="ctr"/>
-            <a:endParaRPr lang="en-US" dirty="0"/>
-          </a:p>
-          <a:p>
-            <a:pPr algn="ctr"/>
             <a:r>
               <a:rPr lang="en-US" dirty="0"/>
               <a:t>Maximize throughput</a:t>
@@ -4354,8 +4304,8 @@
         </p:nvSpPr>
         <p:spPr>
           <a:xfrm>
-            <a:off x="8313902" y="3764532"/>
-            <a:ext cx="1899244" cy="694926"/>
+            <a:off x="8060682" y="4538255"/>
+            <a:ext cx="2672862" cy="1531030"/>
           </a:xfrm>
           <a:prstGeom prst="roundRect">
             <a:avLst/>
@@ -4382,127 +4332,9 @@
           <a:lstStyle/>
           <a:p>
             <a:pPr algn="ctr"/>
-            <a:endParaRPr lang="en-US" dirty="0"/>
-          </a:p>
-          <a:p>
-            <a:pPr algn="ctr"/>
             <a:r>
               <a:rPr lang="en-US" dirty="0"/>
               <a:t>Avoid overload</a:t>
-            </a:r>
-          </a:p>
-          <a:p>
-            <a:pPr algn="ctr"/>
-            <a:endParaRPr lang="en-US" dirty="0"/>
-          </a:p>
-        </p:txBody>
-      </p:sp>
-      <p:sp>
-        <p:nvSpPr>
-          <p:cNvPr id="12" name="Rectangle: Rounded Corners 8">
-            <a:extLst>
-              <a:ext uri="{FF2B5EF4-FFF2-40B4-BE49-F238E27FC236}">
-                <a16:creationId xmlns:a16="http://schemas.microsoft.com/office/drawing/2014/main" id="{A2A4AEF6-26B0-4F42-B834-ED146746C6DA}"/>
-              </a:ext>
-            </a:extLst>
-          </p:cNvPr>
-          <p:cNvSpPr/>
-          <p:nvPr/>
-        </p:nvSpPr>
-        <p:spPr>
-          <a:xfrm>
-            <a:off x="1491340" y="4901670"/>
-            <a:ext cx="1910697" cy="765265"/>
-          </a:xfrm>
-          <a:prstGeom prst="roundRect">
-            <a:avLst/>
-          </a:prstGeom>
-        </p:spPr>
-        <p:style>
-          <a:lnRef idx="2">
-            <a:schemeClr val="accent1">
-              <a:shade val="50000"/>
-            </a:schemeClr>
-          </a:lnRef>
-          <a:fillRef idx="1">
-            <a:schemeClr val="accent1"/>
-          </a:fillRef>
-          <a:effectRef idx="0">
-            <a:schemeClr val="accent1"/>
-          </a:effectRef>
-          <a:fontRef idx="minor">
-            <a:schemeClr val="lt1"/>
-          </a:fontRef>
-        </p:style>
-        <p:txBody>
-          <a:bodyPr rtlCol="0" anchor="ctr"/>
-          <a:lstStyle/>
-          <a:p>
-            <a:pPr algn="ctr"/>
-            <a:endParaRPr lang="en-US" dirty="0"/>
-          </a:p>
-          <a:p>
-            <a:pPr algn="ctr"/>
-            <a:r>
-              <a:rPr lang="en-US" dirty="0"/>
-              <a:t>No single point of failure</a:t>
-            </a:r>
-          </a:p>
-          <a:p>
-            <a:pPr algn="ctr"/>
-            <a:endParaRPr lang="en-US" dirty="0"/>
-          </a:p>
-        </p:txBody>
-      </p:sp>
-      <p:sp>
-        <p:nvSpPr>
-          <p:cNvPr id="13" name="Rectangle: Rounded Corners 10">
-            <a:extLst>
-              <a:ext uri="{FF2B5EF4-FFF2-40B4-BE49-F238E27FC236}">
-                <a16:creationId xmlns:a16="http://schemas.microsoft.com/office/drawing/2014/main" id="{CD8705E4-DC52-47E7-A807-49FC855670DB}"/>
-              </a:ext>
-            </a:extLst>
-          </p:cNvPr>
-          <p:cNvSpPr/>
-          <p:nvPr/>
-        </p:nvSpPr>
-        <p:spPr>
-          <a:xfrm>
-            <a:off x="8339692" y="4789129"/>
-            <a:ext cx="1899244" cy="694926"/>
-          </a:xfrm>
-          <a:prstGeom prst="roundRect">
-            <a:avLst/>
-          </a:prstGeom>
-        </p:spPr>
-        <p:style>
-          <a:lnRef idx="2">
-            <a:schemeClr val="accent1">
-              <a:shade val="50000"/>
-            </a:schemeClr>
-          </a:lnRef>
-          <a:fillRef idx="1">
-            <a:schemeClr val="accent1"/>
-          </a:fillRef>
-          <a:effectRef idx="0">
-            <a:schemeClr val="accent1"/>
-          </a:effectRef>
-          <a:fontRef idx="minor">
-            <a:schemeClr val="lt1"/>
-          </a:fontRef>
-        </p:style>
-        <p:txBody>
-          <a:bodyPr rtlCol="0" anchor="ctr"/>
-          <a:lstStyle/>
-          <a:p>
-            <a:pPr algn="ctr"/>
-            <a:endParaRPr lang="en-US" dirty="0"/>
-          </a:p>
-          <a:p>
-            <a:pPr algn="ctr"/>
-            <a:r>
-              <a:rPr lang="en-US" dirty="0"/>
-              <a:t>Higher reliability</a:t>
             </a:r>
           </a:p>
           <a:p>
@@ -4517,546 +4349,6 @@
         <p14:creationId xmlns:p14="http://schemas.microsoft.com/office/powerpoint/2010/main" val="2131751451"/>
       </p:ext>
     </p:extLst>
-  </p:cSld>
-  <p:clrMapOvr>
-    <a:masterClrMapping/>
-  </p:clrMapOvr>
-</p:sld>
-</file>
-
-<file path=ppt/slides/slide10.xml><?xml version="1.0" encoding="utf-8"?>
-<p:sld xmlns:a="http://schemas.openxmlformats.org/drawingml/2006/main" xmlns:r="http://schemas.openxmlformats.org/officeDocument/2006/relationships" xmlns:p="http://schemas.openxmlformats.org/presentationml/2006/main">
-  <p:cSld>
-    <p:spTree>
-      <p:nvGrpSpPr>
-        <p:cNvPr id="1" name=""/>
-        <p:cNvGrpSpPr/>
-        <p:nvPr/>
-      </p:nvGrpSpPr>
-      <p:grpSpPr>
-        <a:xfrm>
-          <a:off x="0" y="0"/>
-          <a:ext cx="0" cy="0"/>
-          <a:chOff x="0" y="0"/>
-          <a:chExt cx="0" cy="0"/>
-        </a:xfrm>
-      </p:grpSpPr>
-      <p:sp>
-        <p:nvSpPr>
-          <p:cNvPr id="2" name="Title 1">
-            <a:extLst>
-              <a:ext uri="{FF2B5EF4-FFF2-40B4-BE49-F238E27FC236}">
-                <a16:creationId xmlns:a16="http://schemas.microsoft.com/office/drawing/2014/main" id="{5FC74B34-E31E-492C-BEFA-F00D383C66AE}"/>
-              </a:ext>
-            </a:extLst>
-          </p:cNvPr>
-          <p:cNvSpPr>
-            <a:spLocks noGrp="1"/>
-          </p:cNvSpPr>
-          <p:nvPr>
-            <p:ph type="title"/>
-          </p:nvPr>
-        </p:nvSpPr>
-        <p:spPr/>
-        <p:txBody>
-          <a:bodyPr>
-            <a:normAutofit fontScale="90000"/>
-          </a:bodyPr>
-          <a:lstStyle/>
-          <a:p>
-            <a:r>
-              <a:rPr lang="en-US" dirty="0"/>
-              <a:t>How to define the basic requirements for Load Balancing solution?</a:t>
-            </a:r>
-            <a:br>
-              <a:rPr lang="en-US" dirty="0"/>
-            </a:br>
-            <a:endParaRPr lang="en-US" dirty="0"/>
-          </a:p>
-        </p:txBody>
-      </p:sp>
-      <p:sp>
-        <p:nvSpPr>
-          <p:cNvPr id="3" name="Content Placeholder 2">
-            <a:extLst>
-              <a:ext uri="{FF2B5EF4-FFF2-40B4-BE49-F238E27FC236}">
-                <a16:creationId xmlns:a16="http://schemas.microsoft.com/office/drawing/2014/main" id="{7D97723B-E6C5-4321-AEDB-7AA00CE4977F}"/>
-              </a:ext>
-            </a:extLst>
-          </p:cNvPr>
-          <p:cNvSpPr>
-            <a:spLocks noGrp="1"/>
-          </p:cNvSpPr>
-          <p:nvPr>
-            <p:ph idx="1"/>
-          </p:nvPr>
-        </p:nvSpPr>
-        <p:spPr/>
-        <p:txBody>
-          <a:bodyPr/>
-          <a:lstStyle/>
-          <a:p>
-            <a:r>
-              <a:rPr lang="en-US" dirty="0"/>
-              <a:t>What are the applications that require highly available application delivery?</a:t>
-            </a:r>
-          </a:p>
-          <a:p>
-            <a:r>
-              <a:rPr lang="en-US" dirty="0"/>
-              <a:t>How much traffic is generated by the applications for which the Load Balancer will service?</a:t>
-            </a:r>
-          </a:p>
-          <a:p>
-            <a:r>
-              <a:rPr lang="en-US" dirty="0"/>
-              <a:t>How many application requests are received during peak utilization?</a:t>
-            </a:r>
-          </a:p>
-          <a:p>
-            <a:r>
-              <a:rPr lang="en-US" dirty="0"/>
-              <a:t>Are there any special requirements for content manipulation, data caching, data compression or SSL handling?</a:t>
-            </a:r>
-          </a:p>
-          <a:p>
-            <a:endParaRPr lang="en-US" dirty="0"/>
-          </a:p>
-        </p:txBody>
-      </p:sp>
-    </p:spTree>
-    <p:extLst>
-      <p:ext uri="{BB962C8B-B14F-4D97-AF65-F5344CB8AC3E}">
-        <p14:creationId xmlns:p14="http://schemas.microsoft.com/office/powerpoint/2010/main" val="3648785053"/>
-      </p:ext>
-    </p:extLst>
-  </p:cSld>
-  <p:clrMapOvr>
-    <a:masterClrMapping/>
-  </p:clrMapOvr>
-</p:sld>
-</file>
-
-<file path=ppt/slides/slide11.xml><?xml version="1.0" encoding="utf-8"?>
-<p:sld xmlns:a="http://schemas.openxmlformats.org/drawingml/2006/main" xmlns:r="http://schemas.openxmlformats.org/officeDocument/2006/relationships" xmlns:p="http://schemas.openxmlformats.org/presentationml/2006/main">
-  <p:cSld>
-    <p:spTree>
-      <p:nvGrpSpPr>
-        <p:cNvPr id="1" name=""/>
-        <p:cNvGrpSpPr/>
-        <p:nvPr/>
-      </p:nvGrpSpPr>
-      <p:grpSpPr>
-        <a:xfrm>
-          <a:off x="0" y="0"/>
-          <a:ext cx="0" cy="0"/>
-          <a:chOff x="0" y="0"/>
-          <a:chExt cx="0" cy="0"/>
-        </a:xfrm>
-      </p:grpSpPr>
-      <p:sp>
-        <p:nvSpPr>
-          <p:cNvPr id="2" name="Title 1">
-            <a:extLst>
-              <a:ext uri="{FF2B5EF4-FFF2-40B4-BE49-F238E27FC236}">
-                <a16:creationId xmlns:a16="http://schemas.microsoft.com/office/drawing/2014/main" id="{ED98D046-5AC8-43F0-9CC3-9984E2363613}"/>
-              </a:ext>
-            </a:extLst>
-          </p:cNvPr>
-          <p:cNvSpPr>
-            <a:spLocks noGrp="1"/>
-          </p:cNvSpPr>
-          <p:nvPr>
-            <p:ph type="title"/>
-          </p:nvPr>
-        </p:nvSpPr>
-        <p:spPr/>
-        <p:txBody>
-          <a:bodyPr/>
-          <a:lstStyle/>
-          <a:p>
-            <a:r>
-              <a:rPr lang="en-US" dirty="0"/>
-              <a:t>When would an LB be most useful?</a:t>
-            </a:r>
-            <a:br>
-              <a:rPr lang="en-US" dirty="0"/>
-            </a:br>
-            <a:endParaRPr lang="en-US" dirty="0"/>
-          </a:p>
-        </p:txBody>
-      </p:sp>
-      <p:sp>
-        <p:nvSpPr>
-          <p:cNvPr id="3" name="Content Placeholder 2">
-            <a:extLst>
-              <a:ext uri="{FF2B5EF4-FFF2-40B4-BE49-F238E27FC236}">
-                <a16:creationId xmlns:a16="http://schemas.microsoft.com/office/drawing/2014/main" id="{A615BE32-A350-4755-92DC-92C301FB79AD}"/>
-              </a:ext>
-            </a:extLst>
-          </p:cNvPr>
-          <p:cNvSpPr>
-            <a:spLocks noGrp="1"/>
-          </p:cNvSpPr>
-          <p:nvPr>
-            <p:ph idx="1"/>
-          </p:nvPr>
-        </p:nvSpPr>
-        <p:spPr>
-          <a:xfrm>
-            <a:off x="1130270" y="2138289"/>
-            <a:ext cx="9603275" cy="3328056"/>
-          </a:xfrm>
-        </p:spPr>
-        <p:txBody>
-          <a:bodyPr/>
-          <a:lstStyle/>
-          <a:p>
-            <a:r>
-              <a:rPr lang="en-US" sz="2200" dirty="0"/>
-              <a:t>If you have two or more redundant application servers in your environment</a:t>
-            </a:r>
-          </a:p>
-          <a:p>
-            <a:r>
-              <a:rPr lang="en-US" sz="2200" dirty="0"/>
-              <a:t>If you want to architect an application solution that is easily scalable</a:t>
-            </a:r>
-          </a:p>
-          <a:p>
-            <a:r>
-              <a:rPr lang="en-US" sz="2200" dirty="0"/>
-              <a:t>If you want to architect an application solution that is highly available</a:t>
-            </a:r>
-          </a:p>
-          <a:p>
-            <a:pPr marL="0" indent="0">
-              <a:buNone/>
-            </a:pPr>
-            <a:endParaRPr lang="en-US" dirty="0"/>
-          </a:p>
-        </p:txBody>
-      </p:sp>
-    </p:spTree>
-    <p:extLst>
-      <p:ext uri="{BB962C8B-B14F-4D97-AF65-F5344CB8AC3E}">
-        <p14:creationId xmlns:p14="http://schemas.microsoft.com/office/powerpoint/2010/main" val="203206576"/>
-      </p:ext>
-    </p:extLst>
-  </p:cSld>
-  <p:clrMapOvr>
-    <a:masterClrMapping/>
-  </p:clrMapOvr>
-</p:sld>
-</file>
-
-<file path=ppt/slides/slide12.xml><?xml version="1.0" encoding="utf-8"?>
-<p:sld xmlns:a="http://schemas.openxmlformats.org/drawingml/2006/main" xmlns:r="http://schemas.openxmlformats.org/officeDocument/2006/relationships" xmlns:p="http://schemas.openxmlformats.org/presentationml/2006/main">
-  <p:cSld>
-    <p:spTree>
-      <p:nvGrpSpPr>
-        <p:cNvPr id="1" name=""/>
-        <p:cNvGrpSpPr/>
-        <p:nvPr/>
-      </p:nvGrpSpPr>
-      <p:grpSpPr>
-        <a:xfrm>
-          <a:off x="0" y="0"/>
-          <a:ext cx="0" cy="0"/>
-          <a:chOff x="0" y="0"/>
-          <a:chExt cx="0" cy="0"/>
-        </a:xfrm>
-      </p:grpSpPr>
-      <p:sp>
-        <p:nvSpPr>
-          <p:cNvPr id="2" name="Title 1">
-            <a:extLst>
-              <a:ext uri="{FF2B5EF4-FFF2-40B4-BE49-F238E27FC236}">
-                <a16:creationId xmlns:a16="http://schemas.microsoft.com/office/drawing/2014/main" id="{89F6F831-A3E4-47A4-A948-86917E1C81FF}"/>
-              </a:ext>
-            </a:extLst>
-          </p:cNvPr>
-          <p:cNvSpPr>
-            <a:spLocks noGrp="1"/>
-          </p:cNvSpPr>
-          <p:nvPr>
-            <p:ph type="title"/>
-          </p:nvPr>
-        </p:nvSpPr>
-        <p:spPr>
-          <a:xfrm>
-            <a:off x="1130269" y="798580"/>
-            <a:ext cx="9603275" cy="1049235"/>
-          </a:xfrm>
-        </p:spPr>
-        <p:txBody>
-          <a:bodyPr>
-            <a:normAutofit fontScale="90000"/>
-          </a:bodyPr>
-          <a:lstStyle/>
-          <a:p>
-            <a:r>
-              <a:rPr lang="en-US" dirty="0"/>
-              <a:t>What security features do you need with your Load Balancers?</a:t>
-            </a:r>
-            <a:br>
-              <a:rPr lang="en-US" dirty="0"/>
-            </a:br>
-            <a:endParaRPr lang="en-US" dirty="0"/>
-          </a:p>
-        </p:txBody>
-      </p:sp>
-      <p:sp>
-        <p:nvSpPr>
-          <p:cNvPr id="3" name="Content Placeholder 2">
-            <a:extLst>
-              <a:ext uri="{FF2B5EF4-FFF2-40B4-BE49-F238E27FC236}">
-                <a16:creationId xmlns:a16="http://schemas.microsoft.com/office/drawing/2014/main" id="{586C8206-DF8A-4E65-A15D-226D6D9622E3}"/>
-              </a:ext>
-            </a:extLst>
-          </p:cNvPr>
-          <p:cNvSpPr>
-            <a:spLocks noGrp="1"/>
-          </p:cNvSpPr>
-          <p:nvPr>
-            <p:ph idx="1"/>
-          </p:nvPr>
-        </p:nvSpPr>
-        <p:spPr>
-          <a:xfrm>
-            <a:off x="1130270" y="1847815"/>
-            <a:ext cx="9603275" cy="3618530"/>
-          </a:xfrm>
-        </p:spPr>
-        <p:txBody>
-          <a:bodyPr>
-            <a:normAutofit/>
-          </a:bodyPr>
-          <a:lstStyle/>
-          <a:p>
-            <a:r>
-              <a:rPr lang="en-US" dirty="0"/>
-              <a:t>Content Switching</a:t>
-            </a:r>
-          </a:p>
-          <a:p>
-            <a:r>
-              <a:rPr lang="en-US" dirty="0"/>
-              <a:t>SSL Acceleration</a:t>
-            </a:r>
-          </a:p>
-          <a:p>
-            <a:r>
-              <a:rPr lang="en-US" dirty="0"/>
-              <a:t>Data Compression</a:t>
-            </a:r>
-          </a:p>
-          <a:p>
-            <a:r>
-              <a:rPr lang="en-US" dirty="0"/>
-              <a:t>Data Caching</a:t>
-            </a:r>
-          </a:p>
-          <a:p>
-            <a:r>
-              <a:rPr lang="en-US" dirty="0"/>
-              <a:t>Intrusion Prevention</a:t>
-            </a:r>
-          </a:p>
-          <a:p>
-            <a:r>
-              <a:rPr lang="en-US" dirty="0"/>
-              <a:t>Single Sign-On</a:t>
-            </a:r>
-          </a:p>
-          <a:p>
-            <a:r>
-              <a:rPr lang="en-US" dirty="0"/>
-              <a:t>Pre-Authentication</a:t>
-            </a:r>
-          </a:p>
-          <a:p>
-            <a:endParaRPr lang="en-US" dirty="0"/>
-          </a:p>
-        </p:txBody>
-      </p:sp>
-    </p:spTree>
-    <p:extLst>
-      <p:ext uri="{BB962C8B-B14F-4D97-AF65-F5344CB8AC3E}">
-        <p14:creationId xmlns:p14="http://schemas.microsoft.com/office/powerpoint/2010/main" val="2925138356"/>
-      </p:ext>
-    </p:extLst>
-  </p:cSld>
-  <p:clrMapOvr>
-    <a:masterClrMapping/>
-  </p:clrMapOvr>
-</p:sld>
-</file>
-
-<file path=ppt/slides/slide13.xml><?xml version="1.0" encoding="utf-8"?>
-<p:sld xmlns:a="http://schemas.openxmlformats.org/drawingml/2006/main" xmlns:r="http://schemas.openxmlformats.org/officeDocument/2006/relationships" xmlns:p="http://schemas.openxmlformats.org/presentationml/2006/main">
-  <p:cSld>
-    <p:spTree>
-      <p:nvGrpSpPr>
-        <p:cNvPr id="1" name=""/>
-        <p:cNvGrpSpPr/>
-        <p:nvPr/>
-      </p:nvGrpSpPr>
-      <p:grpSpPr>
-        <a:xfrm>
-          <a:off x="0" y="0"/>
-          <a:ext cx="0" cy="0"/>
-          <a:chOff x="0" y="0"/>
-          <a:chExt cx="0" cy="0"/>
-        </a:xfrm>
-      </p:grpSpPr>
-      <p:sp>
-        <p:nvSpPr>
-          <p:cNvPr id="2" name="Title 1"/>
-          <p:cNvSpPr>
-            <a:spLocks noGrp="1"/>
-          </p:cNvSpPr>
-          <p:nvPr>
-            <p:ph type="title"/>
-          </p:nvPr>
-        </p:nvSpPr>
-        <p:spPr/>
-        <p:txBody>
-          <a:bodyPr/>
-          <a:lstStyle/>
-          <a:p>
-            <a:r>
-              <a:rPr lang="en-IN" dirty="0"/>
-              <a:t>References</a:t>
-            </a:r>
-          </a:p>
-        </p:txBody>
-      </p:sp>
-      <p:sp>
-        <p:nvSpPr>
-          <p:cNvPr id="3" name="Content Placeholder 2"/>
-          <p:cNvSpPr>
-            <a:spLocks noGrp="1"/>
-          </p:cNvSpPr>
-          <p:nvPr>
-            <p:ph idx="1"/>
-          </p:nvPr>
-        </p:nvSpPr>
-        <p:spPr/>
-        <p:txBody>
-          <a:bodyPr/>
-          <a:lstStyle/>
-          <a:p>
-            <a:r>
-              <a:rPr lang="en-IN" dirty="0">
-                <a:hlinkClick r:id="rId2"/>
-              </a:rPr>
-              <a:t>https://www.serverwatch.com/server-tutorials/slideshows/11-load-balancers-you-need-to-know-in-2016.html</a:t>
-            </a:r>
-            <a:endParaRPr lang="en-IN" dirty="0"/>
-          </a:p>
-          <a:p>
-            <a:r>
-              <a:rPr lang="en-IN" dirty="0">
-                <a:hlinkClick r:id="rId3"/>
-              </a:rPr>
-              <a:t>http://www.thegeekstuff.com/2016/01/load-balancer-intro/</a:t>
-            </a:r>
-            <a:endParaRPr lang="en-IN" dirty="0"/>
-          </a:p>
-          <a:p>
-            <a:r>
-              <a:rPr lang="en-IN" dirty="0">
-                <a:hlinkClick r:id="rId4"/>
-              </a:rPr>
-              <a:t>https://www.digitalocean.com/community/tutorials/what-is-load-balancing</a:t>
-            </a:r>
-            <a:endParaRPr lang="en-IN" dirty="0"/>
-          </a:p>
-          <a:p>
-            <a:r>
-              <a:rPr lang="en-IN" dirty="0">
-                <a:hlinkClick r:id="rId5"/>
-              </a:rPr>
-              <a:t>https://www.nginx.com/resources/glossary/layer-4-load-balancing/</a:t>
-            </a:r>
-            <a:endParaRPr lang="en-IN" dirty="0"/>
-          </a:p>
-        </p:txBody>
-      </p:sp>
-    </p:spTree>
-  </p:cSld>
-  <p:clrMapOvr>
-    <a:masterClrMapping/>
-  </p:clrMapOvr>
-</p:sld>
-</file>
-
-<file path=ppt/slides/slide14.xml><?xml version="1.0" encoding="utf-8"?>
-<p:sld xmlns:a="http://schemas.openxmlformats.org/drawingml/2006/main" xmlns:r="http://schemas.openxmlformats.org/officeDocument/2006/relationships" xmlns:p="http://schemas.openxmlformats.org/presentationml/2006/main">
-  <p:cSld>
-    <p:spTree>
-      <p:nvGrpSpPr>
-        <p:cNvPr id="1" name=""/>
-        <p:cNvGrpSpPr/>
-        <p:nvPr/>
-      </p:nvGrpSpPr>
-      <p:grpSpPr>
-        <a:xfrm>
-          <a:off x="0" y="0"/>
-          <a:ext cx="0" cy="0"/>
-          <a:chOff x="0" y="0"/>
-          <a:chExt cx="0" cy="0"/>
-        </a:xfrm>
-      </p:grpSpPr>
-      <p:sp>
-        <p:nvSpPr>
-          <p:cNvPr id="3" name="Content Placeholder 2"/>
-          <p:cNvSpPr>
-            <a:spLocks noGrp="1"/>
-          </p:cNvSpPr>
-          <p:nvPr>
-            <p:ph idx="1"/>
-          </p:nvPr>
-        </p:nvSpPr>
-        <p:spPr>
-          <a:xfrm>
-            <a:off x="1130270" y="1434905"/>
-            <a:ext cx="9603275" cy="4031440"/>
-          </a:xfrm>
-        </p:spPr>
-        <p:txBody>
-          <a:bodyPr>
-            <a:normAutofit/>
-          </a:bodyPr>
-          <a:lstStyle/>
-          <a:p>
-            <a:pPr marL="0" indent="0" algn="ctr">
-              <a:buNone/>
-            </a:pPr>
-            <a:r>
-              <a:rPr lang="en-IN" sz="3600" dirty="0"/>
-              <a:t> Thank you!</a:t>
-            </a:r>
-          </a:p>
-          <a:p>
-            <a:pPr marL="0" indent="0" algn="ctr">
-              <a:buNone/>
-            </a:pPr>
-            <a:endParaRPr lang="en-IN" sz="3600" dirty="0"/>
-          </a:p>
-          <a:p>
-            <a:pPr marL="0" indent="0" algn="ctr">
-              <a:buNone/>
-            </a:pPr>
-            <a:r>
-              <a:rPr lang="en-IN" sz="3600" dirty="0"/>
-              <a:t>Any Questions? </a:t>
-            </a:r>
-          </a:p>
-        </p:txBody>
-      </p:sp>
-    </p:spTree>
   </p:cSld>
   <p:clrMapOvr>
     <a:masterClrMapping/>
@@ -5245,7 +4537,100 @@
       </p:grpSpPr>
       <p:sp>
         <p:nvSpPr>
-          <p:cNvPr id="2" name="Title 1"/>
+          <p:cNvPr id="3" name="Content Placeholder 2"/>
+          <p:cNvSpPr>
+            <a:spLocks noGrp="1"/>
+          </p:cNvSpPr>
+          <p:nvPr>
+            <p:ph idx="1"/>
+          </p:nvPr>
+        </p:nvSpPr>
+        <p:spPr>
+          <a:xfrm>
+            <a:off x="1130270" y="1561514"/>
+            <a:ext cx="9603275" cy="4332849"/>
+          </a:xfrm>
+        </p:spPr>
+        <p:txBody>
+          <a:bodyPr>
+            <a:normAutofit/>
+          </a:bodyPr>
+          <a:lstStyle/>
+          <a:p>
+            <a:r>
+              <a:rPr lang="en-IN" b="1" dirty="0"/>
+              <a:t>Software load balancers </a:t>
+            </a:r>
+            <a:r>
+              <a:rPr lang="en-IN" dirty="0"/>
+              <a:t>– implements a combination of scheduling algorithms</a:t>
+            </a:r>
+          </a:p>
+          <a:p>
+            <a:pPr lvl="1"/>
+            <a:r>
+              <a:rPr lang="en-IN" dirty="0"/>
+              <a:t>Weighted scheduling algorithms </a:t>
+            </a:r>
+          </a:p>
+          <a:p>
+            <a:pPr lvl="1">
+              <a:buNone/>
+            </a:pPr>
+            <a:r>
+              <a:rPr lang="en-IN" sz="2000" dirty="0"/>
+              <a:t>	Traffic sent to a server according to weight assigned to it. Weight determined according to hardware capabilities</a:t>
+            </a:r>
+          </a:p>
+          <a:p>
+            <a:pPr lvl="1"/>
+            <a:r>
+              <a:rPr lang="en-IN" dirty="0"/>
+              <a:t>Round robin scheduling</a:t>
+            </a:r>
+          </a:p>
+          <a:p>
+            <a:pPr lvl="1">
+              <a:buNone/>
+            </a:pPr>
+            <a:r>
+              <a:rPr lang="en-IN" sz="2000" dirty="0"/>
+              <a:t>	Requests are served by servers sequentially</a:t>
+            </a:r>
+          </a:p>
+          <a:p>
+            <a:pPr lvl="1"/>
+            <a:r>
+              <a:rPr lang="en-IN" dirty="0"/>
+              <a:t>Least connection first scheduling</a:t>
+            </a:r>
+          </a:p>
+          <a:p>
+            <a:pPr lvl="1">
+              <a:buNone/>
+            </a:pPr>
+            <a:r>
+              <a:rPr lang="en-IN" sz="2000" dirty="0"/>
+              <a:t>	Request served first to server currently handling least number of persistent connections</a:t>
+            </a:r>
+          </a:p>
+          <a:p>
+            <a:pPr>
+              <a:buNone/>
+            </a:pPr>
+            <a:endParaRPr lang="en-IN" dirty="0"/>
+          </a:p>
+          <a:p>
+            <a:pPr lvl="1">
+              <a:buNone/>
+            </a:pPr>
+            <a:endParaRPr lang="en-IN" dirty="0"/>
+          </a:p>
+        </p:txBody>
+      </p:sp>
+      <p:sp>
+        <p:nvSpPr>
+          <p:cNvPr id="4" name="Title 3"/>
           <p:cNvSpPr>
             <a:spLocks noGrp="1"/>
           </p:cNvSpPr>
@@ -5262,89 +4647,13 @@
               <a:rPr lang="en-IN" dirty="0"/>
               <a:t>Types of load balancers</a:t>
             </a:r>
-          </a:p>
-        </p:txBody>
-      </p:sp>
-      <p:sp>
-        <p:nvSpPr>
-          <p:cNvPr id="3" name="Content Placeholder 2"/>
-          <p:cNvSpPr>
-            <a:spLocks noGrp="1"/>
-          </p:cNvSpPr>
-          <p:nvPr>
-            <p:ph idx="1"/>
-          </p:nvPr>
-        </p:nvSpPr>
-        <p:spPr>
-          <a:xfrm>
-            <a:off x="1130270" y="1645920"/>
-            <a:ext cx="9603275" cy="4360985"/>
-          </a:xfrm>
-        </p:spPr>
-        <p:txBody>
-          <a:bodyPr>
-            <a:normAutofit fontScale="92500"/>
-          </a:bodyPr>
-          <a:lstStyle/>
-          <a:p>
-            <a:pPr marL="0" indent="0">
-              <a:buNone/>
-            </a:pPr>
-            <a:r>
-              <a:rPr lang="en-IN" sz="2800" b="1" dirty="0"/>
-              <a:t>Hardware load balancers </a:t>
-            </a:r>
-            <a:r>
-              <a:rPr lang="en-IN" sz="2800" dirty="0"/>
-              <a:t>– device between client and server to balance the load </a:t>
-            </a:r>
-          </a:p>
-          <a:p>
-            <a:r>
-              <a:rPr lang="en-IN" b="1" dirty="0"/>
-              <a:t>Layer 4 Hardware load balancing</a:t>
-            </a:r>
-          </a:p>
-          <a:p>
-            <a:pPr>
-              <a:buNone/>
-            </a:pPr>
-            <a:r>
-              <a:rPr lang="en-IN" sz="2200" dirty="0"/>
-              <a:t>	</a:t>
-            </a:r>
-            <a:r>
-              <a:rPr lang="en-IN" sz="2400" dirty="0"/>
-              <a:t>uses information defined at the networking </a:t>
-            </a:r>
-            <a:r>
-              <a:rPr lang="en-IN" sz="2400" i="1" dirty="0"/>
-              <a:t>transport</a:t>
-            </a:r>
-            <a:r>
-              <a:rPr lang="en-IN" sz="2400" dirty="0"/>
-              <a:t> layer (Layer 4) as the basis for deciding how to distribute client requests across a group of servers. </a:t>
-            </a:r>
-          </a:p>
-          <a:p>
-            <a:pPr>
-              <a:buNone/>
-            </a:pPr>
-            <a:r>
-              <a:rPr lang="en-IN" sz="2400" dirty="0"/>
-              <a:t>	For Internet traffic specifically, it bases the load-balancing decision on the source and destination IP addresses and ports recorded in the packet header, without considering the contents of the packet.</a:t>
-            </a:r>
-            <a:endParaRPr lang="en-IN" sz="2200" dirty="0"/>
-          </a:p>
-          <a:p>
-            <a:endParaRPr lang="en-IN" dirty="0"/>
           </a:p>
         </p:txBody>
       </p:sp>
     </p:spTree>
     <p:extLst>
       <p:ext uri="{BB962C8B-B14F-4D97-AF65-F5344CB8AC3E}">
-        <p14:creationId xmlns:p14="http://schemas.microsoft.com/office/powerpoint/2010/main" val="477200360"/>
+        <p14:creationId xmlns:p14="http://schemas.microsoft.com/office/powerpoint/2010/main" val="4261341437"/>
       </p:ext>
     </p:extLst>
   </p:cSld>
@@ -5373,6 +4682,28 @@
       </p:grpSpPr>
       <p:sp>
         <p:nvSpPr>
+          <p:cNvPr id="2" name="Title 1"/>
+          <p:cNvSpPr>
+            <a:spLocks noGrp="1"/>
+          </p:cNvSpPr>
+          <p:nvPr>
+            <p:ph type="title"/>
+          </p:nvPr>
+        </p:nvSpPr>
+        <p:spPr/>
+        <p:txBody>
+          <a:bodyPr/>
+          <a:lstStyle/>
+          <a:p>
+            <a:r>
+              <a:rPr lang="en-IN" dirty="0"/>
+              <a:t>Types of load balancers</a:t>
+            </a:r>
+          </a:p>
+        </p:txBody>
+      </p:sp>
+      <p:sp>
+        <p:nvSpPr>
           <p:cNvPr id="3" name="Content Placeholder 2"/>
           <p:cNvSpPr>
             <a:spLocks noGrp="1"/>
@@ -5383,16 +4714,46 @@
         </p:nvSpPr>
         <p:spPr>
           <a:xfrm>
-            <a:off x="1130270" y="1167618"/>
-            <a:ext cx="4665619" cy="4298727"/>
-          </a:xfrm>
-        </p:spPr>
-        <p:txBody>
-          <a:bodyPr/>
-          <a:lstStyle/>
-          <a:p>
-            <a:r>
-              <a:rPr lang="en-IN" b="1" dirty="0"/>
+            <a:off x="1130270" y="1645920"/>
+            <a:ext cx="9603275" cy="4360985"/>
+          </a:xfrm>
+        </p:spPr>
+        <p:txBody>
+          <a:bodyPr>
+            <a:normAutofit fontScale="92500" lnSpcReduction="20000"/>
+          </a:bodyPr>
+          <a:lstStyle/>
+          <a:p>
+            <a:pPr marL="0" indent="0">
+              <a:buNone/>
+            </a:pPr>
+            <a:r>
+              <a:rPr lang="en-IN" sz="2800" b="1" dirty="0"/>
+              <a:t>Hardware load balancers </a:t>
+            </a:r>
+            <a:r>
+              <a:rPr lang="en-IN" sz="2800" dirty="0"/>
+              <a:t>– device between client and server to balance the load </a:t>
+            </a:r>
+          </a:p>
+          <a:p>
+            <a:r>
+              <a:rPr lang="en-IN" dirty="0"/>
+              <a:t>Layer 4 Hardware load balancing</a:t>
+            </a:r>
+          </a:p>
+          <a:p>
+            <a:pPr>
+              <a:buNone/>
+            </a:pPr>
+            <a:r>
+              <a:rPr lang="en-IN" sz="2200" dirty="0"/>
+              <a:t>	These kind of load balancers work on transport layer of OSI model and make use of TCP, UDP and SCTP transport layer protocol details to make decision on which server the data is to be sent.</a:t>
+            </a:r>
+          </a:p>
+          <a:p>
+            <a:r>
+              <a:rPr lang="en-IN" dirty="0"/>
               <a:t>Layer 7 Hardware load balancing</a:t>
             </a:r>
           </a:p>
@@ -5401,7 +4762,7 @@
               <a:buNone/>
             </a:pPr>
             <a:r>
-              <a:rPr lang="en-IN" dirty="0"/>
+              <a:rPr lang="en-IN" sz="2200" dirty="0"/>
               <a:t>	makes the decision according to the actual content of the message (URLs, cookies, scripts)</a:t>
             </a:r>
           </a:p>
@@ -5410,7 +4771,7 @@
               <a:buNone/>
             </a:pPr>
             <a:r>
-              <a:rPr lang="en-IN" dirty="0"/>
+              <a:rPr lang="en-IN" sz="2200" dirty="0"/>
               <a:t>	For example, the request for image will go to an image server, request for PHP scripts may go to another server</a:t>
             </a:r>
           </a:p>
@@ -5419,40 +4780,12 @@
           </a:p>
         </p:txBody>
       </p:sp>
-      <p:pic>
-        <p:nvPicPr>
-          <p:cNvPr id="1026" name="Picture 2"/>
-          <p:cNvPicPr>
-            <a:picLocks noChangeAspect="1" noChangeArrowheads="1"/>
-          </p:cNvPicPr>
-          <p:nvPr/>
-        </p:nvPicPr>
-        <p:blipFill>
-          <a:blip r:embed="rId2"/>
-          <a:srcRect/>
-          <a:stretch>
-            <a:fillRect/>
-          </a:stretch>
-        </p:blipFill>
-        <p:spPr bwMode="auto">
-          <a:xfrm>
-            <a:off x="5711482" y="858129"/>
-            <a:ext cx="6480517" cy="5176911"/>
-          </a:xfrm>
-          <a:prstGeom prst="rect">
-            <a:avLst/>
-          </a:prstGeom>
-          <a:noFill/>
-          <a:ln w="9525">
-            <a:noFill/>
-            <a:miter lim="800000"/>
-            <a:headEnd/>
-            <a:tailEnd/>
-          </a:ln>
-          <a:effectLst/>
-        </p:spPr>
-      </p:pic>
     </p:spTree>
+    <p:extLst>
+      <p:ext uri="{BB962C8B-B14F-4D97-AF65-F5344CB8AC3E}">
+        <p14:creationId xmlns:p14="http://schemas.microsoft.com/office/powerpoint/2010/main" val="477200360"/>
+      </p:ext>
+    </p:extLst>
   </p:cSld>
   <p:clrMapOvr>
     <a:masterClrMapping/>
@@ -5490,7 +4823,7 @@
         <p:spPr>
           <a:xfrm>
             <a:off x="1130270" y="953324"/>
-            <a:ext cx="9603275" cy="931747"/>
+            <a:ext cx="9603275" cy="1049235"/>
           </a:xfrm>
         </p:spPr>
         <p:txBody>
@@ -5499,7 +4832,7 @@
           <a:p>
             <a:r>
               <a:rPr lang="en-IN" dirty="0"/>
-              <a:t>Types of load balancers</a:t>
+              <a:t>Examples of load balancers</a:t>
             </a:r>
           </a:p>
         </p:txBody>
@@ -5516,80 +4849,87 @@
         </p:nvSpPr>
         <p:spPr>
           <a:xfrm>
-            <a:off x="1130270" y="1927274"/>
-            <a:ext cx="4848499" cy="3539071"/>
+            <a:off x="1130270" y="1575582"/>
+            <a:ext cx="9603275" cy="4234375"/>
           </a:xfrm>
         </p:spPr>
         <p:txBody>
           <a:bodyPr>
-            <a:normAutofit/>
+            <a:normAutofit lnSpcReduction="10000"/>
           </a:bodyPr>
           <a:lstStyle/>
           <a:p>
+            <a:pPr>
+              <a:buNone/>
+            </a:pPr>
             <a:r>
               <a:rPr lang="en-IN" b="1" dirty="0"/>
-              <a:t>Software load balancers </a:t>
+              <a:t>	</a:t>
+            </a:r>
+            <a:r>
+              <a:rPr lang="en-IN" b="1" u="sng" dirty="0"/>
+              <a:t>Hardware based</a:t>
+            </a:r>
+          </a:p>
+          <a:p>
+            <a:r>
+              <a:rPr lang="en-IN" b="1" dirty="0"/>
+              <a:t>F5 BIG-IP Local Traffic Manager – </a:t>
             </a:r>
             <a:r>
               <a:rPr lang="en-IN" dirty="0"/>
-              <a:t>– implements a combination of scheduling algorithms</a:t>
-            </a:r>
-          </a:p>
-          <a:p>
-            <a:pPr lvl="1"/>
+              <a:t>intelligent traffic management, based on full proxy architecture</a:t>
+            </a:r>
+          </a:p>
+          <a:p>
             <a:r>
               <a:rPr lang="en-IN" b="1" dirty="0"/>
-              <a:t>Weighted scheduling algorithms </a:t>
-            </a:r>
-          </a:p>
-          <a:p>
-            <a:pPr lvl="1">
-              <a:buNone/>
-            </a:pPr>
-            <a:r>
-              <a:rPr lang="en-IN" sz="2000" dirty="0"/>
-              <a:t>	Traffic sent to a server according to weight assigned to it. Weight determined according to hardware capabilities</a:t>
-            </a:r>
-          </a:p>
-          <a:p>
+              <a:t>Cisco Load balancer – </a:t>
+            </a:r>
+            <a:r>
+              <a:rPr lang="en-IN" dirty="0"/>
+              <a:t>router products have load balancing capabilities inbuilt. Features include sticky sessions, TCP session reassignment, automatic </a:t>
+            </a:r>
+            <a:r>
+              <a:rPr lang="en-IN" dirty="0" err="1"/>
+              <a:t>unfail</a:t>
+            </a:r>
             <a:endParaRPr lang="en-IN" dirty="0"/>
           </a:p>
-        </p:txBody>
-      </p:sp>
-      <p:pic>
-        <p:nvPicPr>
-          <p:cNvPr id="2050" name="Picture 2"/>
-          <p:cNvPicPr>
-            <a:picLocks noChangeAspect="1" noChangeArrowheads="1"/>
-          </p:cNvPicPr>
-          <p:nvPr/>
-        </p:nvPicPr>
-        <p:blipFill>
-          <a:blip r:embed="rId2"/>
-          <a:srcRect/>
-          <a:stretch>
-            <a:fillRect/>
-          </a:stretch>
-        </p:blipFill>
-        <p:spPr bwMode="auto">
-          <a:xfrm>
-            <a:off x="5697416" y="1432560"/>
-            <a:ext cx="6494584" cy="4602480"/>
-          </a:xfrm>
-          <a:prstGeom prst="rect">
-            <a:avLst/>
-          </a:prstGeom>
-          <a:noFill/>
-          <a:ln w="9525">
-            <a:noFill/>
-            <a:miter lim="800000"/>
-            <a:headEnd/>
-            <a:tailEnd/>
-          </a:ln>
-          <a:effectLst/>
-        </p:spPr>
-      </p:pic>
+          <a:p>
+            <a:r>
+              <a:rPr lang="en-IN" b="1" dirty="0"/>
+              <a:t>Barracuda Load balancer – </a:t>
+            </a:r>
+            <a:r>
+              <a:rPr lang="en-IN" dirty="0"/>
+              <a:t>provides intrusion prevention, global load balancing and content caching</a:t>
+            </a:r>
+          </a:p>
+          <a:p>
+            <a:r>
+              <a:rPr lang="en-IN" b="1" dirty="0"/>
+              <a:t>Coyote point – </a:t>
+            </a:r>
+            <a:r>
+              <a:rPr lang="en-IN" dirty="0"/>
+              <a:t>supports all web based applications. Also supports round robin and weighted load balancing algorithms</a:t>
+            </a:r>
+          </a:p>
+          <a:p>
+            <a:endParaRPr lang="en-IN" b="1" dirty="0"/>
+          </a:p>
+          <a:p>
+            <a:endParaRPr lang="en-IN" dirty="0"/>
+          </a:p>
+        </p:txBody>
+      </p:sp>
     </p:spTree>
+    <p:extLst>
+      <p:ext uri="{BB962C8B-B14F-4D97-AF65-F5344CB8AC3E}">
+        <p14:creationId xmlns:p14="http://schemas.microsoft.com/office/powerpoint/2010/main" val="3671110700"/>
+      </p:ext>
+    </p:extLst>
   </p:cSld>
   <p:clrMapOvr>
     <a:masterClrMapping/>
@@ -5616,6 +4956,28 @@
       </p:grpSpPr>
       <p:sp>
         <p:nvSpPr>
+          <p:cNvPr id="2" name="Title 1"/>
+          <p:cNvSpPr>
+            <a:spLocks noGrp="1"/>
+          </p:cNvSpPr>
+          <p:nvPr>
+            <p:ph type="title"/>
+          </p:nvPr>
+        </p:nvSpPr>
+        <p:spPr/>
+        <p:txBody>
+          <a:bodyPr/>
+          <a:lstStyle/>
+          <a:p>
+            <a:r>
+              <a:rPr lang="en-IN" dirty="0"/>
+              <a:t>Examples of load balancers</a:t>
+            </a:r>
+          </a:p>
+        </p:txBody>
+      </p:sp>
+      <p:sp>
+        <p:nvSpPr>
           <p:cNvPr id="3" name="Content Placeholder 2"/>
           <p:cNvSpPr>
             <a:spLocks noGrp="1"/>
@@ -5626,68 +4988,70 @@
         </p:nvSpPr>
         <p:spPr>
           <a:xfrm>
-            <a:off x="1130270" y="1055077"/>
-            <a:ext cx="4398333" cy="4411268"/>
-          </a:xfrm>
-        </p:spPr>
-        <p:txBody>
-          <a:bodyPr/>
-          <a:lstStyle/>
+            <a:off x="1130270" y="1645920"/>
+            <a:ext cx="9603275" cy="3820425"/>
+          </a:xfrm>
+        </p:spPr>
+        <p:txBody>
+          <a:bodyPr>
+            <a:normAutofit fontScale="85000" lnSpcReduction="20000"/>
+          </a:bodyPr>
+          <a:lstStyle/>
+          <a:p>
+            <a:pPr>
+              <a:buNone/>
+            </a:pPr>
+            <a:r>
+              <a:rPr lang="en-IN" dirty="0"/>
+              <a:t>	</a:t>
+            </a:r>
+            <a:r>
+              <a:rPr lang="en-IN" sz="2700" b="1" u="sng" dirty="0"/>
+              <a:t>Software based</a:t>
+            </a:r>
+          </a:p>
+          <a:p>
+            <a:r>
+              <a:rPr lang="en-IN" sz="2700" b="1" dirty="0"/>
+              <a:t>Resonate central dispatch - </a:t>
+            </a:r>
+            <a:r>
+              <a:rPr lang="en-IN" sz="2700" dirty="0"/>
+              <a:t> software-based advanced load balancing solution that utilizes patented resource-based scheduling technology to orchestrate routing decisions based on actual statistics and heuristics obtained from the server and network data centre infrastructure.</a:t>
+            </a:r>
+          </a:p>
+          <a:p>
+            <a:r>
+              <a:rPr lang="en-IN" sz="2700" b="1" dirty="0"/>
+              <a:t>Zen load balancer – </a:t>
+            </a:r>
+            <a:r>
+              <a:rPr lang="en-IN" sz="2700" dirty="0"/>
+              <a:t>software based, open source</a:t>
+            </a:r>
+          </a:p>
+          <a:p>
+            <a:r>
+              <a:rPr lang="en-IN" sz="2700" b="1" dirty="0"/>
+              <a:t>NGINX Plus – </a:t>
+            </a:r>
+            <a:r>
+              <a:rPr lang="en-IN" sz="2700" dirty="0"/>
+              <a:t>software based,  features like automatic health check, session persistence, live activity monitoring</a:t>
+            </a:r>
+          </a:p>
           <a:p>
             <a:pPr lvl="1"/>
-            <a:r>
-              <a:rPr lang="en-IN" b="1" dirty="0"/>
-              <a:t>Round robin scheduling</a:t>
-            </a:r>
-          </a:p>
-          <a:p>
-            <a:pPr lvl="1">
-              <a:buNone/>
-            </a:pPr>
-            <a:r>
-              <a:rPr lang="en-IN" sz="2000" dirty="0"/>
-              <a:t>	Requests are served by servers sequentially</a:t>
-            </a:r>
-          </a:p>
-          <a:p>
             <a:endParaRPr lang="en-IN" dirty="0"/>
           </a:p>
         </p:txBody>
       </p:sp>
-      <p:pic>
-        <p:nvPicPr>
-          <p:cNvPr id="3074" name="Picture 2"/>
-          <p:cNvPicPr>
-            <a:picLocks noChangeAspect="1" noChangeArrowheads="1"/>
-          </p:cNvPicPr>
-          <p:nvPr/>
-        </p:nvPicPr>
-        <p:blipFill>
-          <a:blip r:embed="rId2"/>
-          <a:srcRect/>
-          <a:stretch>
-            <a:fillRect/>
-          </a:stretch>
-        </p:blipFill>
-        <p:spPr bwMode="auto">
-          <a:xfrm>
-            <a:off x="4839287" y="888463"/>
-            <a:ext cx="6794695" cy="5118442"/>
-          </a:xfrm>
-          <a:prstGeom prst="rect">
-            <a:avLst/>
-          </a:prstGeom>
-          <a:noFill/>
-          <a:ln w="9525">
-            <a:noFill/>
-            <a:miter lim="800000"/>
-            <a:headEnd/>
-            <a:tailEnd/>
-          </a:ln>
-          <a:effectLst/>
-        </p:spPr>
-      </p:pic>
     </p:spTree>
+    <p:extLst>
+      <p:ext uri="{BB962C8B-B14F-4D97-AF65-F5344CB8AC3E}">
+        <p14:creationId xmlns:p14="http://schemas.microsoft.com/office/powerpoint/2010/main" val="3378276386"/>
+      </p:ext>
+    </p:extLst>
   </p:cSld>
   <p:clrMapOvr>
     <a:masterClrMapping/>
@@ -5714,6 +5078,28 @@
       </p:grpSpPr>
       <p:sp>
         <p:nvSpPr>
+          <p:cNvPr id="2" name="Title 1"/>
+          <p:cNvSpPr>
+            <a:spLocks noGrp="1"/>
+          </p:cNvSpPr>
+          <p:nvPr>
+            <p:ph type="title"/>
+          </p:nvPr>
+        </p:nvSpPr>
+        <p:spPr/>
+        <p:txBody>
+          <a:bodyPr/>
+          <a:lstStyle/>
+          <a:p>
+            <a:r>
+              <a:rPr lang="en-IN" dirty="0"/>
+              <a:t>References</a:t>
+            </a:r>
+          </a:p>
+        </p:txBody>
+      </p:sp>
+      <p:sp>
+        <p:nvSpPr>
           <p:cNvPr id="3" name="Content Placeholder 2"/>
           <p:cNvSpPr>
             <a:spLocks noGrp="1"/>
@@ -5725,184 +5111,43 @@
         <p:spPr>
           <a:xfrm>
             <a:off x="1130270" y="1856935"/>
-            <a:ext cx="9209483" cy="3609410"/>
+            <a:ext cx="9603275" cy="3609410"/>
           </a:xfrm>
         </p:spPr>
         <p:txBody>
           <a:bodyPr/>
           <a:lstStyle/>
           <a:p>
-            <a:pPr lvl="1"/>
-            <a:r>
-              <a:rPr lang="en-IN" b="1" dirty="0"/>
-              <a:t>Least connection first scheduling</a:t>
-            </a:r>
-          </a:p>
-          <a:p>
-            <a:pPr lvl="1">
+            <a:r>
+              <a:rPr lang="en-IN" dirty="0">
+                <a:hlinkClick r:id="rId2"/>
+              </a:rPr>
+              <a:t>https://www.serverwatch.com/server-tutorials/slideshows/11-load-balancers-you-need-to-know-in-2016.html</a:t>
+            </a:r>
+            <a:endParaRPr lang="en-IN" dirty="0"/>
+          </a:p>
+          <a:p>
+            <a:r>
+              <a:rPr lang="en-IN" dirty="0">
+                <a:hlinkClick r:id="rId3"/>
+              </a:rPr>
+              <a:t>http://www.thegeekstuff.com/2016/01/load-balancer-intro/</a:t>
+            </a:r>
+            <a:endParaRPr lang="en-IN" dirty="0"/>
+          </a:p>
+          <a:p>
+            <a:r>
+              <a:rPr lang="en-IN" dirty="0">
+                <a:hlinkClick r:id="rId4"/>
+              </a:rPr>
+              <a:t>https://www.digitalocean.com/community/tutorials/what-is-load-balancing</a:t>
+            </a:r>
+            <a:endParaRPr lang="en-IN" dirty="0"/>
+          </a:p>
+          <a:p>
+            <a:pPr>
               <a:buNone/>
             </a:pPr>
-            <a:r>
-              <a:rPr lang="en-IN" sz="2000" dirty="0"/>
-              <a:t>	Request served first to server currently handling least number of persistent connections</a:t>
-            </a:r>
-          </a:p>
-          <a:p>
-            <a:endParaRPr lang="en-IN" dirty="0"/>
-          </a:p>
-        </p:txBody>
-      </p:sp>
-    </p:spTree>
-  </p:cSld>
-  <p:clrMapOvr>
-    <a:masterClrMapping/>
-  </p:clrMapOvr>
-</p:sld>
-</file>
-
-<file path=ppt/slides/slide8.xml><?xml version="1.0" encoding="utf-8"?>
-<p:sld xmlns:a="http://schemas.openxmlformats.org/drawingml/2006/main" xmlns:r="http://schemas.openxmlformats.org/officeDocument/2006/relationships" xmlns:p="http://schemas.openxmlformats.org/presentationml/2006/main">
-  <p:cSld>
-    <p:spTree>
-      <p:nvGrpSpPr>
-        <p:cNvPr id="1" name=""/>
-        <p:cNvGrpSpPr/>
-        <p:nvPr/>
-      </p:nvGrpSpPr>
-      <p:grpSpPr>
-        <a:xfrm>
-          <a:off x="0" y="0"/>
-          <a:ext cx="0" cy="0"/>
-          <a:chOff x="0" y="0"/>
-          <a:chExt cx="0" cy="0"/>
-        </a:xfrm>
-      </p:grpSpPr>
-      <p:sp>
-        <p:nvSpPr>
-          <p:cNvPr id="2" name="Title 1"/>
-          <p:cNvSpPr>
-            <a:spLocks noGrp="1"/>
-          </p:cNvSpPr>
-          <p:nvPr>
-            <p:ph type="title"/>
-          </p:nvPr>
-        </p:nvSpPr>
-        <p:spPr>
-          <a:xfrm>
-            <a:off x="1130270" y="953324"/>
-            <a:ext cx="9603275" cy="1049235"/>
-          </a:xfrm>
-        </p:spPr>
-        <p:txBody>
-          <a:bodyPr/>
-          <a:lstStyle/>
-          <a:p>
-            <a:r>
-              <a:rPr lang="en-IN" dirty="0"/>
-              <a:t>Examples of load balancers</a:t>
-            </a:r>
-          </a:p>
-        </p:txBody>
-      </p:sp>
-      <p:sp>
-        <p:nvSpPr>
-          <p:cNvPr id="3" name="Content Placeholder 2"/>
-          <p:cNvSpPr>
-            <a:spLocks noGrp="1"/>
-          </p:cNvSpPr>
-          <p:nvPr>
-            <p:ph idx="1"/>
-          </p:nvPr>
-        </p:nvSpPr>
-        <p:spPr>
-          <a:xfrm>
-            <a:off x="1130270" y="1814732"/>
-            <a:ext cx="9603275" cy="3651613"/>
-          </a:xfrm>
-        </p:spPr>
-        <p:txBody>
-          <a:bodyPr>
-            <a:normAutofit fontScale="85000" lnSpcReduction="20000"/>
-          </a:bodyPr>
-          <a:lstStyle/>
-          <a:p>
-            <a:pPr>
-              <a:buNone/>
-            </a:pPr>
-            <a:r>
-              <a:rPr lang="en-IN" b="1" dirty="0"/>
-              <a:t>	</a:t>
-            </a:r>
-            <a:r>
-              <a:rPr lang="en-IN" b="1" u="sng" dirty="0"/>
-              <a:t>Hardware based</a:t>
-            </a:r>
-          </a:p>
-          <a:p>
-            <a:r>
-              <a:rPr lang="en-IN" b="1" dirty="0"/>
-              <a:t>F5 BIG-IP Local Traffic Manager</a:t>
-            </a:r>
-            <a:endParaRPr lang="en-IN" dirty="0"/>
-          </a:p>
-          <a:p>
-            <a:r>
-              <a:rPr lang="en-IN" b="1" dirty="0"/>
-              <a:t>Cisco Load balancer</a:t>
-            </a:r>
-            <a:endParaRPr lang="en-IN" dirty="0"/>
-          </a:p>
-          <a:p>
-            <a:r>
-              <a:rPr lang="en-IN" b="1" dirty="0"/>
-              <a:t>Barracuda Load balancer</a:t>
-            </a:r>
-            <a:endParaRPr lang="en-IN" dirty="0"/>
-          </a:p>
-          <a:p>
-            <a:r>
-              <a:rPr lang="en-IN" b="1" dirty="0"/>
-              <a:t>Coyote point</a:t>
-            </a:r>
-          </a:p>
-          <a:p>
-            <a:pPr>
-              <a:buNone/>
-            </a:pPr>
-            <a:r>
-              <a:rPr lang="en-IN" b="1" dirty="0"/>
-              <a:t>	</a:t>
-            </a:r>
-            <a:r>
-              <a:rPr lang="en-IN" b="1" u="sng" dirty="0"/>
-              <a:t>Software based</a:t>
-            </a:r>
-          </a:p>
-          <a:p>
-            <a:r>
-              <a:rPr lang="en-IN" b="1" dirty="0"/>
-              <a:t>Resonate central dispatch </a:t>
-            </a:r>
-            <a:endParaRPr lang="en-IN" dirty="0"/>
-          </a:p>
-          <a:p>
-            <a:r>
-              <a:rPr lang="en-IN" b="1" dirty="0"/>
-              <a:t>Zen load balancer</a:t>
-            </a:r>
-            <a:endParaRPr lang="en-IN" dirty="0"/>
-          </a:p>
-          <a:p>
-            <a:r>
-              <a:rPr lang="en-IN" b="1" dirty="0"/>
-              <a:t>NGINX Plus</a:t>
-            </a:r>
-            <a:endParaRPr lang="en-IN" dirty="0"/>
-          </a:p>
-          <a:p>
-            <a:endParaRPr lang="en-IN" b="1" dirty="0"/>
-          </a:p>
-          <a:p>
             <a:endParaRPr lang="en-IN" dirty="0"/>
           </a:p>
         </p:txBody>
@@ -5910,148 +5155,7 @@
     </p:spTree>
     <p:extLst>
       <p:ext uri="{BB962C8B-B14F-4D97-AF65-F5344CB8AC3E}">
-        <p14:creationId xmlns:p14="http://schemas.microsoft.com/office/powerpoint/2010/main" val="3671110700"/>
-      </p:ext>
-    </p:extLst>
-  </p:cSld>
-  <p:clrMapOvr>
-    <a:masterClrMapping/>
-  </p:clrMapOvr>
-</p:sld>
-</file>
-
-<file path=ppt/slides/slide9.xml><?xml version="1.0" encoding="utf-8"?>
-<p:sld xmlns:a="http://schemas.openxmlformats.org/drawingml/2006/main" xmlns:r="http://schemas.openxmlformats.org/officeDocument/2006/relationships" xmlns:p="http://schemas.openxmlformats.org/presentationml/2006/main">
-  <p:cSld>
-    <p:spTree>
-      <p:nvGrpSpPr>
-        <p:cNvPr id="1" name=""/>
-        <p:cNvGrpSpPr/>
-        <p:nvPr/>
-      </p:nvGrpSpPr>
-      <p:grpSpPr>
-        <a:xfrm>
-          <a:off x="0" y="0"/>
-          <a:ext cx="0" cy="0"/>
-          <a:chOff x="0" y="0"/>
-          <a:chExt cx="0" cy="0"/>
-        </a:xfrm>
-      </p:grpSpPr>
-      <p:sp>
-        <p:nvSpPr>
-          <p:cNvPr id="2" name="Title 1">
-            <a:extLst>
-              <a:ext uri="{FF2B5EF4-FFF2-40B4-BE49-F238E27FC236}">
-                <a16:creationId xmlns:a16="http://schemas.microsoft.com/office/drawing/2014/main" id="{48A4D310-B291-4D20-BF06-D2E67120A7F0}"/>
-              </a:ext>
-            </a:extLst>
-          </p:cNvPr>
-          <p:cNvSpPr>
-            <a:spLocks noGrp="1"/>
-          </p:cNvSpPr>
-          <p:nvPr>
-            <p:ph type="title"/>
-          </p:nvPr>
-        </p:nvSpPr>
-        <p:spPr>
-          <a:xfrm>
-            <a:off x="1130270" y="193670"/>
-            <a:ext cx="9603275" cy="622258"/>
-          </a:xfrm>
-        </p:spPr>
-        <p:txBody>
-          <a:bodyPr/>
-          <a:lstStyle/>
-          <a:p>
-            <a:r>
-              <a:rPr lang="en-US" dirty="0"/>
-              <a:t>How to select/choose load balancers?</a:t>
-            </a:r>
-          </a:p>
-        </p:txBody>
-      </p:sp>
-      <p:sp>
-        <p:nvSpPr>
-          <p:cNvPr id="3" name="Content Placeholder 2">
-            <a:extLst>
-              <a:ext uri="{FF2B5EF4-FFF2-40B4-BE49-F238E27FC236}">
-                <a16:creationId xmlns:a16="http://schemas.microsoft.com/office/drawing/2014/main" id="{FA58160C-C594-455A-B616-D475C94976DA}"/>
-              </a:ext>
-            </a:extLst>
-          </p:cNvPr>
-          <p:cNvSpPr>
-            <a:spLocks noGrp="1"/>
-          </p:cNvSpPr>
-          <p:nvPr>
-            <p:ph idx="1"/>
-          </p:nvPr>
-        </p:nvSpPr>
-        <p:spPr>
-          <a:xfrm>
-            <a:off x="1130270" y="1688124"/>
-            <a:ext cx="9603275" cy="2194560"/>
-          </a:xfrm>
-        </p:spPr>
-        <p:txBody>
-          <a:bodyPr>
-            <a:normAutofit/>
-          </a:bodyPr>
-          <a:lstStyle/>
-          <a:p>
-            <a:r>
-              <a:rPr lang="en-US" sz="2600" dirty="0"/>
-              <a:t>How to define the basic requirements for Load Balancing solution?</a:t>
-            </a:r>
-          </a:p>
-          <a:p>
-            <a:r>
-              <a:rPr lang="en-US" sz="2600" dirty="0"/>
-              <a:t>When would an LB be most useful?</a:t>
-            </a:r>
-          </a:p>
-          <a:p>
-            <a:endParaRPr lang="en-US" sz="2400" dirty="0"/>
-          </a:p>
-        </p:txBody>
-      </p:sp>
-      <p:sp>
-        <p:nvSpPr>
-          <p:cNvPr id="4" name="Rectangle 3">
-            <a:extLst>
-              <a:ext uri="{FF2B5EF4-FFF2-40B4-BE49-F238E27FC236}">
-                <a16:creationId xmlns:a16="http://schemas.microsoft.com/office/drawing/2014/main" id="{7BD31CD2-C307-49D8-BCA8-9619196A726C}"/>
-              </a:ext>
-            </a:extLst>
-          </p:cNvPr>
-          <p:cNvSpPr/>
-          <p:nvPr/>
-        </p:nvSpPr>
-        <p:spPr>
-          <a:xfrm>
-            <a:off x="2841674" y="5384801"/>
-            <a:ext cx="8778241" cy="646331"/>
-          </a:xfrm>
-          <a:prstGeom prst="rect">
-            <a:avLst/>
-          </a:prstGeom>
-        </p:spPr>
-        <p:txBody>
-          <a:bodyPr wrap="square">
-            <a:spAutoFit/>
-          </a:bodyPr>
-          <a:lstStyle/>
-          <a:p>
-            <a:r>
-              <a:rPr lang="en-US" dirty="0"/>
-              <a:t>Reference: https://kemptechnologies.com/load-balancing/four-questions-help-you-decide-load-balancing-solution/</a:t>
-            </a:r>
-          </a:p>
-        </p:txBody>
-      </p:sp>
-    </p:spTree>
-    <p:extLst>
-      <p:ext uri="{BB962C8B-B14F-4D97-AF65-F5344CB8AC3E}">
-        <p14:creationId xmlns:p14="http://schemas.microsoft.com/office/powerpoint/2010/main" val="3403480103"/>
+        <p14:creationId xmlns:p14="http://schemas.microsoft.com/office/powerpoint/2010/main" val="2783263117"/>
       </p:ext>
     </p:extLst>
   </p:cSld>
@@ -6104,7 +5208,7 @@
     </a:clrScheme>
     <a:fontScheme name="Gallery">
       <a:majorFont>
-        <a:latin typeface="Century Gothic"/>
+        <a:latin typeface="Century Gothic" panose="020B0502020202020204"/>
         <a:ea typeface=""/>
         <a:cs typeface=""/>
         <a:font script="Jpan" typeface="游ゴシック Light"/>
@@ -6139,7 +5243,7 @@
         <a:font script="Geor" typeface="Sylfaen"/>
       </a:majorFont>
       <a:minorFont>
-        <a:latin typeface="Century Gothic"/>
+        <a:latin typeface="Century Gothic" panose="020B0502020202020204"/>
         <a:ea typeface=""/>
         <a:cs typeface=""/>
         <a:font script="Jpan" typeface="游ゴシック"/>

--- a/Homework 9 - Distributed Applications/load_balancer.pptx
+++ b/Homework 9 - Distributed Applications/load_balancer.pptx
@@ -7,11 +7,18 @@
   <p:sldIdLst>
     <p:sldId id="256" r:id="rId2"/>
     <p:sldId id="259" r:id="rId3"/>
-    <p:sldId id="265" r:id="rId4"/>
-    <p:sldId id="260" r:id="rId5"/>
-    <p:sldId id="261" r:id="rId6"/>
-    <p:sldId id="262" r:id="rId7"/>
-    <p:sldId id="263" r:id="rId8"/>
+    <p:sldId id="260" r:id="rId4"/>
+    <p:sldId id="265" r:id="rId5"/>
+    <p:sldId id="263" r:id="rId6"/>
+    <p:sldId id="266" r:id="rId7"/>
+    <p:sldId id="267" r:id="rId8"/>
+    <p:sldId id="261" r:id="rId9"/>
+    <p:sldId id="269" r:id="rId10"/>
+    <p:sldId id="270" r:id="rId11"/>
+    <p:sldId id="271" r:id="rId12"/>
+    <p:sldId id="272" r:id="rId13"/>
+    <p:sldId id="264" r:id="rId14"/>
+    <p:sldId id="268" r:id="rId15"/>
   </p:sldIdLst>
   <p:sldSz cx="12192000" cy="6858000"/>
   <p:notesSz cx="6858000" cy="9144000"/>
@@ -112,7 +119,18 @@
   </p:defaultTextStyle>
   <p:extLst>
     <p:ext uri="{EFAFB233-063F-42B5-8137-9DF3F51BA10A}">
-      <p15:sldGuideLst xmlns:p15="http://schemas.microsoft.com/office/powerpoint/2012/main"/>
+      <p15:sldGuideLst xmlns:p15="http://schemas.microsoft.com/office/powerpoint/2012/main">
+        <p15:guide id="1" orient="horz" pos="2160">
+          <p15:clr>
+            <a:srgbClr val="A4A3A4"/>
+          </p15:clr>
+        </p15:guide>
+        <p15:guide id="2" pos="3840">
+          <p15:clr>
+            <a:srgbClr val="A4A3A4"/>
+          </p15:clr>
+        </p15:guide>
+      </p15:sldGuideLst>
     </p:ext>
   </p:extLst>
 </p:presentation>
@@ -261,7 +279,8 @@
           <a:p>
             <a:fld id="{96A11333-1686-4B90-ACDF-EB3235633EFE}" type="datetimeFigureOut">
               <a:rPr lang="en-US" smtClean="0"/>
-              <a:t>11/2/2017</a:t>
+              <a:pPr/>
+              <a:t>11/4/2017</a:t>
             </a:fld>
             <a:endParaRPr lang="en-US"/>
           </a:p>
@@ -313,6 +332,7 @@
           <a:p>
             <a:fld id="{88836477-6168-4A3F-B9E5-22B017C1F904}" type="slidenum">
               <a:rPr lang="en-US" smtClean="0"/>
+              <a:pPr/>
               <a:t>‹#›</a:t>
             </a:fld>
             <a:endParaRPr lang="en-US"/>
@@ -481,7 +501,8 @@
           <a:p>
             <a:fld id="{96A11333-1686-4B90-ACDF-EB3235633EFE}" type="datetimeFigureOut">
               <a:rPr lang="en-US" smtClean="0"/>
-              <a:t>11/2/2017</a:t>
+              <a:pPr/>
+              <a:t>11/4/2017</a:t>
             </a:fld>
             <a:endParaRPr lang="en-US"/>
           </a:p>
@@ -523,6 +544,7 @@
           <a:p>
             <a:fld id="{88836477-6168-4A3F-B9E5-22B017C1F904}" type="slidenum">
               <a:rPr lang="en-US" smtClean="0"/>
+              <a:pPr/>
               <a:t>‹#›</a:t>
             </a:fld>
             <a:endParaRPr lang="en-US"/>
@@ -705,7 +727,8 @@
           <a:p>
             <a:fld id="{96A11333-1686-4B90-ACDF-EB3235633EFE}" type="datetimeFigureOut">
               <a:rPr lang="en-US" smtClean="0"/>
-              <a:t>11/2/2017</a:t>
+              <a:pPr/>
+              <a:t>11/4/2017</a:t>
             </a:fld>
             <a:endParaRPr lang="en-US"/>
           </a:p>
@@ -747,6 +770,7 @@
           <a:p>
             <a:fld id="{88836477-6168-4A3F-B9E5-22B017C1F904}" type="slidenum">
               <a:rPr lang="en-US" smtClean="0"/>
+              <a:pPr/>
               <a:t>‹#›</a:t>
             </a:fld>
             <a:endParaRPr lang="en-US"/>
@@ -919,7 +943,8 @@
           <a:p>
             <a:fld id="{96A11333-1686-4B90-ACDF-EB3235633EFE}" type="datetimeFigureOut">
               <a:rPr lang="en-US" smtClean="0"/>
-              <a:t>11/2/2017</a:t>
+              <a:pPr/>
+              <a:t>11/4/2017</a:t>
             </a:fld>
             <a:endParaRPr lang="en-US"/>
           </a:p>
@@ -965,6 +990,7 @@
           <a:p>
             <a:fld id="{88836477-6168-4A3F-B9E5-22B017C1F904}" type="slidenum">
               <a:rPr lang="en-US" smtClean="0"/>
+              <a:pPr/>
               <a:t>‹#›</a:t>
             </a:fld>
             <a:endParaRPr lang="en-US"/>
@@ -1211,7 +1237,8 @@
           <a:p>
             <a:fld id="{96A11333-1686-4B90-ACDF-EB3235633EFE}" type="datetimeFigureOut">
               <a:rPr lang="en-US" smtClean="0"/>
-              <a:t>11/2/2017</a:t>
+              <a:pPr/>
+              <a:t>11/4/2017</a:t>
             </a:fld>
             <a:endParaRPr lang="en-US"/>
           </a:p>
@@ -1253,6 +1280,7 @@
           <a:p>
             <a:fld id="{88836477-6168-4A3F-B9E5-22B017C1F904}" type="slidenum">
               <a:rPr lang="en-US" smtClean="0"/>
+              <a:pPr/>
               <a:t>‹#›</a:t>
             </a:fld>
             <a:endParaRPr lang="en-US"/>
@@ -1488,7 +1516,8 @@
           <a:p>
             <a:fld id="{96A11333-1686-4B90-ACDF-EB3235633EFE}" type="datetimeFigureOut">
               <a:rPr lang="en-US" smtClean="0"/>
-              <a:t>11/2/2017</a:t>
+              <a:pPr/>
+              <a:t>11/4/2017</a:t>
             </a:fld>
             <a:endParaRPr lang="en-US"/>
           </a:p>
@@ -1530,6 +1559,7 @@
           <a:p>
             <a:fld id="{88836477-6168-4A3F-B9E5-22B017C1F904}" type="slidenum">
               <a:rPr lang="en-US" smtClean="0"/>
+              <a:pPr/>
               <a:t>‹#›</a:t>
             </a:fld>
             <a:endParaRPr lang="en-US"/>
@@ -1913,7 +1943,8 @@
           <a:p>
             <a:fld id="{96A11333-1686-4B90-ACDF-EB3235633EFE}" type="datetimeFigureOut">
               <a:rPr lang="en-US" smtClean="0"/>
-              <a:t>11/2/2017</a:t>
+              <a:pPr/>
+              <a:t>11/4/2017</a:t>
             </a:fld>
             <a:endParaRPr lang="en-US"/>
           </a:p>
@@ -1955,6 +1986,7 @@
           <a:p>
             <a:fld id="{88836477-6168-4A3F-B9E5-22B017C1F904}" type="slidenum">
               <a:rPr lang="en-US" smtClean="0"/>
+              <a:pPr/>
               <a:t>‹#›</a:t>
             </a:fld>
             <a:endParaRPr lang="en-US"/>
@@ -2071,7 +2103,8 @@
           <a:p>
             <a:fld id="{96A11333-1686-4B90-ACDF-EB3235633EFE}" type="datetimeFigureOut">
               <a:rPr lang="en-US" smtClean="0"/>
-              <a:t>11/2/2017</a:t>
+              <a:pPr/>
+              <a:t>11/4/2017</a:t>
             </a:fld>
             <a:endParaRPr lang="en-US"/>
           </a:p>
@@ -2113,6 +2146,7 @@
           <a:p>
             <a:fld id="{88836477-6168-4A3F-B9E5-22B017C1F904}" type="slidenum">
               <a:rPr lang="en-US" smtClean="0"/>
+              <a:pPr/>
               <a:t>‹#›</a:t>
             </a:fld>
             <a:endParaRPr lang="en-US"/>
@@ -2206,7 +2240,8 @@
           <a:p>
             <a:fld id="{96A11333-1686-4B90-ACDF-EB3235633EFE}" type="datetimeFigureOut">
               <a:rPr lang="en-US" smtClean="0"/>
-              <a:t>11/2/2017</a:t>
+              <a:pPr/>
+              <a:t>11/4/2017</a:t>
             </a:fld>
             <a:endParaRPr lang="en-US"/>
           </a:p>
@@ -2248,6 +2283,7 @@
           <a:p>
             <a:fld id="{88836477-6168-4A3F-B9E5-22B017C1F904}" type="slidenum">
               <a:rPr lang="en-US" smtClean="0"/>
+              <a:pPr/>
               <a:t>‹#›</a:t>
             </a:fld>
             <a:endParaRPr lang="en-US"/>
@@ -2457,7 +2493,8 @@
           <a:p>
             <a:fld id="{96A11333-1686-4B90-ACDF-EB3235633EFE}" type="datetimeFigureOut">
               <a:rPr lang="en-US" smtClean="0"/>
-              <a:t>11/2/2017</a:t>
+              <a:pPr/>
+              <a:t>11/4/2017</a:t>
             </a:fld>
             <a:endParaRPr lang="en-US"/>
           </a:p>
@@ -2499,6 +2536,7 @@
           <a:p>
             <a:fld id="{88836477-6168-4A3F-B9E5-22B017C1F904}" type="slidenum">
               <a:rPr lang="en-US" smtClean="0"/>
+              <a:pPr/>
               <a:t>‹#›</a:t>
             </a:fld>
             <a:endParaRPr lang="en-US"/>
@@ -2917,7 +2955,8 @@
           <a:p>
             <a:fld id="{96A11333-1686-4B90-ACDF-EB3235633EFE}" type="datetimeFigureOut">
               <a:rPr lang="en-US" smtClean="0"/>
-              <a:t>11/2/2017</a:t>
+              <a:pPr/>
+              <a:t>11/4/2017</a:t>
             </a:fld>
             <a:endParaRPr lang="en-US"/>
           </a:p>
@@ -2969,6 +3008,7 @@
           <a:p>
             <a:fld id="{88836477-6168-4A3F-B9E5-22B017C1F904}" type="slidenum">
               <a:rPr lang="en-US" smtClean="0"/>
+              <a:pPr/>
               <a:t>‹#›</a:t>
             </a:fld>
             <a:endParaRPr lang="en-US"/>
@@ -3298,7 +3338,8 @@
           <a:p>
             <a:fld id="{96A11333-1686-4B90-ACDF-EB3235633EFE}" type="datetimeFigureOut">
               <a:rPr lang="en-US" smtClean="0"/>
-              <a:t>11/2/2017</a:t>
+              <a:pPr/>
+              <a:t>11/4/2017</a:t>
             </a:fld>
             <a:endParaRPr lang="en-US"/>
           </a:p>
@@ -3374,6 +3415,7 @@
           <a:p>
             <a:fld id="{88836477-6168-4A3F-B9E5-22B017C1F904}" type="slidenum">
               <a:rPr lang="en-US" smtClean="0"/>
+              <a:pPr/>
               <a:t>‹#›</a:t>
             </a:fld>
             <a:endParaRPr lang="en-US"/>
@@ -4149,8 +4191,8 @@
         </p:nvSpPr>
         <p:spPr>
           <a:xfrm>
-            <a:off x="1282669" y="2789300"/>
-            <a:ext cx="2672862" cy="1531030"/>
+            <a:off x="1465549" y="2733030"/>
+            <a:ext cx="1910697" cy="755758"/>
           </a:xfrm>
           <a:prstGeom prst="roundRect">
             <a:avLst/>
@@ -4198,8 +4240,8 @@
         </p:nvSpPr>
         <p:spPr>
           <a:xfrm>
-            <a:off x="1282669" y="4538255"/>
-            <a:ext cx="2672862" cy="1531030"/>
+            <a:off x="1493685" y="3820803"/>
+            <a:ext cx="1910697" cy="765265"/>
           </a:xfrm>
           <a:prstGeom prst="roundRect">
             <a:avLst/>
@@ -4226,6 +4268,10 @@
           <a:lstStyle/>
           <a:p>
             <a:pPr algn="ctr"/>
+            <a:endParaRPr lang="en-US" dirty="0"/>
+          </a:p>
+          <a:p>
+            <a:pPr algn="ctr"/>
             <a:r>
               <a:rPr lang="en-US" dirty="0"/>
               <a:t>Minimize response time</a:t>
@@ -4251,8 +4297,8 @@
         </p:nvSpPr>
         <p:spPr>
           <a:xfrm>
-            <a:off x="8060682" y="2789300"/>
-            <a:ext cx="2672862" cy="1531030"/>
+            <a:off x="8313900" y="2704896"/>
+            <a:ext cx="1871109" cy="755757"/>
           </a:xfrm>
           <a:prstGeom prst="roundRect">
             <a:avLst/>
@@ -4279,6 +4325,10 @@
           <a:lstStyle/>
           <a:p>
             <a:pPr algn="ctr"/>
+            <a:endParaRPr lang="en-US" dirty="0"/>
+          </a:p>
+          <a:p>
+            <a:pPr algn="ctr"/>
             <a:r>
               <a:rPr lang="en-US" dirty="0"/>
               <a:t>Maximize throughput</a:t>
@@ -4304,8 +4354,8 @@
         </p:nvSpPr>
         <p:spPr>
           <a:xfrm>
-            <a:off x="8060682" y="4538255"/>
-            <a:ext cx="2672862" cy="1531030"/>
+            <a:off x="8313902" y="3764532"/>
+            <a:ext cx="1899244" cy="694926"/>
           </a:xfrm>
           <a:prstGeom prst="roundRect">
             <a:avLst/>
@@ -4332,9 +4382,127 @@
           <a:lstStyle/>
           <a:p>
             <a:pPr algn="ctr"/>
+            <a:endParaRPr lang="en-US" dirty="0"/>
+          </a:p>
+          <a:p>
+            <a:pPr algn="ctr"/>
             <a:r>
               <a:rPr lang="en-US" dirty="0"/>
               <a:t>Avoid overload</a:t>
+            </a:r>
+          </a:p>
+          <a:p>
+            <a:pPr algn="ctr"/>
+            <a:endParaRPr lang="en-US" dirty="0"/>
+          </a:p>
+        </p:txBody>
+      </p:sp>
+      <p:sp>
+        <p:nvSpPr>
+          <p:cNvPr id="12" name="Rectangle: Rounded Corners 8">
+            <a:extLst>
+              <a:ext uri="{FF2B5EF4-FFF2-40B4-BE49-F238E27FC236}">
+                <a16:creationId xmlns:a16="http://schemas.microsoft.com/office/drawing/2014/main" id="{A2A4AEF6-26B0-4F42-B834-ED146746C6DA}"/>
+              </a:ext>
+            </a:extLst>
+          </p:cNvPr>
+          <p:cNvSpPr/>
+          <p:nvPr/>
+        </p:nvSpPr>
+        <p:spPr>
+          <a:xfrm>
+            <a:off x="1491340" y="4901670"/>
+            <a:ext cx="1910697" cy="765265"/>
+          </a:xfrm>
+          <a:prstGeom prst="roundRect">
+            <a:avLst/>
+          </a:prstGeom>
+        </p:spPr>
+        <p:style>
+          <a:lnRef idx="2">
+            <a:schemeClr val="accent1">
+              <a:shade val="50000"/>
+            </a:schemeClr>
+          </a:lnRef>
+          <a:fillRef idx="1">
+            <a:schemeClr val="accent1"/>
+          </a:fillRef>
+          <a:effectRef idx="0">
+            <a:schemeClr val="accent1"/>
+          </a:effectRef>
+          <a:fontRef idx="minor">
+            <a:schemeClr val="lt1"/>
+          </a:fontRef>
+        </p:style>
+        <p:txBody>
+          <a:bodyPr rtlCol="0" anchor="ctr"/>
+          <a:lstStyle/>
+          <a:p>
+            <a:pPr algn="ctr"/>
+            <a:endParaRPr lang="en-US" dirty="0"/>
+          </a:p>
+          <a:p>
+            <a:pPr algn="ctr"/>
+            <a:r>
+              <a:rPr lang="en-US" dirty="0"/>
+              <a:t>No single point of failure</a:t>
+            </a:r>
+          </a:p>
+          <a:p>
+            <a:pPr algn="ctr"/>
+            <a:endParaRPr lang="en-US" dirty="0"/>
+          </a:p>
+        </p:txBody>
+      </p:sp>
+      <p:sp>
+        <p:nvSpPr>
+          <p:cNvPr id="13" name="Rectangle: Rounded Corners 10">
+            <a:extLst>
+              <a:ext uri="{FF2B5EF4-FFF2-40B4-BE49-F238E27FC236}">
+                <a16:creationId xmlns:a16="http://schemas.microsoft.com/office/drawing/2014/main" id="{CD8705E4-DC52-47E7-A807-49FC855670DB}"/>
+              </a:ext>
+            </a:extLst>
+          </p:cNvPr>
+          <p:cNvSpPr/>
+          <p:nvPr/>
+        </p:nvSpPr>
+        <p:spPr>
+          <a:xfrm>
+            <a:off x="8339692" y="4789129"/>
+            <a:ext cx="1899244" cy="694926"/>
+          </a:xfrm>
+          <a:prstGeom prst="roundRect">
+            <a:avLst/>
+          </a:prstGeom>
+        </p:spPr>
+        <p:style>
+          <a:lnRef idx="2">
+            <a:schemeClr val="accent1">
+              <a:shade val="50000"/>
+            </a:schemeClr>
+          </a:lnRef>
+          <a:fillRef idx="1">
+            <a:schemeClr val="accent1"/>
+          </a:fillRef>
+          <a:effectRef idx="0">
+            <a:schemeClr val="accent1"/>
+          </a:effectRef>
+          <a:fontRef idx="minor">
+            <a:schemeClr val="lt1"/>
+          </a:fontRef>
+        </p:style>
+        <p:txBody>
+          <a:bodyPr rtlCol="0" anchor="ctr"/>
+          <a:lstStyle/>
+          <a:p>
+            <a:pPr algn="ctr"/>
+            <a:endParaRPr lang="en-US" dirty="0"/>
+          </a:p>
+          <a:p>
+            <a:pPr algn="ctr"/>
+            <a:r>
+              <a:rPr lang="en-US" dirty="0"/>
+              <a:t>Higher reliability</a:t>
             </a:r>
           </a:p>
           <a:p>
@@ -4349,6 +4517,546 @@
         <p14:creationId xmlns:p14="http://schemas.microsoft.com/office/powerpoint/2010/main" val="2131751451"/>
       </p:ext>
     </p:extLst>
+  </p:cSld>
+  <p:clrMapOvr>
+    <a:masterClrMapping/>
+  </p:clrMapOvr>
+</p:sld>
+</file>
+
+<file path=ppt/slides/slide10.xml><?xml version="1.0" encoding="utf-8"?>
+<p:sld xmlns:a="http://schemas.openxmlformats.org/drawingml/2006/main" xmlns:r="http://schemas.openxmlformats.org/officeDocument/2006/relationships" xmlns:p="http://schemas.openxmlformats.org/presentationml/2006/main">
+  <p:cSld>
+    <p:spTree>
+      <p:nvGrpSpPr>
+        <p:cNvPr id="1" name=""/>
+        <p:cNvGrpSpPr/>
+        <p:nvPr/>
+      </p:nvGrpSpPr>
+      <p:grpSpPr>
+        <a:xfrm>
+          <a:off x="0" y="0"/>
+          <a:ext cx="0" cy="0"/>
+          <a:chOff x="0" y="0"/>
+          <a:chExt cx="0" cy="0"/>
+        </a:xfrm>
+      </p:grpSpPr>
+      <p:sp>
+        <p:nvSpPr>
+          <p:cNvPr id="2" name="Title 1">
+            <a:extLst>
+              <a:ext uri="{FF2B5EF4-FFF2-40B4-BE49-F238E27FC236}">
+                <a16:creationId xmlns:a16="http://schemas.microsoft.com/office/drawing/2014/main" id="{5FC74B34-E31E-492C-BEFA-F00D383C66AE}"/>
+              </a:ext>
+            </a:extLst>
+          </p:cNvPr>
+          <p:cNvSpPr>
+            <a:spLocks noGrp="1"/>
+          </p:cNvSpPr>
+          <p:nvPr>
+            <p:ph type="title"/>
+          </p:nvPr>
+        </p:nvSpPr>
+        <p:spPr/>
+        <p:txBody>
+          <a:bodyPr>
+            <a:normAutofit fontScale="90000"/>
+          </a:bodyPr>
+          <a:lstStyle/>
+          <a:p>
+            <a:r>
+              <a:rPr lang="en-US" dirty="0"/>
+              <a:t>How to define the basic requirements for Load Balancing solution?</a:t>
+            </a:r>
+            <a:br>
+              <a:rPr lang="en-US" dirty="0"/>
+            </a:br>
+            <a:endParaRPr lang="en-US" dirty="0"/>
+          </a:p>
+        </p:txBody>
+      </p:sp>
+      <p:sp>
+        <p:nvSpPr>
+          <p:cNvPr id="3" name="Content Placeholder 2">
+            <a:extLst>
+              <a:ext uri="{FF2B5EF4-FFF2-40B4-BE49-F238E27FC236}">
+                <a16:creationId xmlns:a16="http://schemas.microsoft.com/office/drawing/2014/main" id="{7D97723B-E6C5-4321-AEDB-7AA00CE4977F}"/>
+              </a:ext>
+            </a:extLst>
+          </p:cNvPr>
+          <p:cNvSpPr>
+            <a:spLocks noGrp="1"/>
+          </p:cNvSpPr>
+          <p:nvPr>
+            <p:ph idx="1"/>
+          </p:nvPr>
+        </p:nvSpPr>
+        <p:spPr/>
+        <p:txBody>
+          <a:bodyPr/>
+          <a:lstStyle/>
+          <a:p>
+            <a:r>
+              <a:rPr lang="en-US" dirty="0"/>
+              <a:t>What are the applications that require highly available application delivery?</a:t>
+            </a:r>
+          </a:p>
+          <a:p>
+            <a:r>
+              <a:rPr lang="en-US" dirty="0"/>
+              <a:t>How much traffic is generated by the applications for which the Load Balancer will service?</a:t>
+            </a:r>
+          </a:p>
+          <a:p>
+            <a:r>
+              <a:rPr lang="en-US" dirty="0"/>
+              <a:t>How many application requests are received during peak utilization?</a:t>
+            </a:r>
+          </a:p>
+          <a:p>
+            <a:r>
+              <a:rPr lang="en-US" dirty="0"/>
+              <a:t>Are there any special requirements for content manipulation, data caching, data compression or SSL handling?</a:t>
+            </a:r>
+          </a:p>
+          <a:p>
+            <a:endParaRPr lang="en-US" dirty="0"/>
+          </a:p>
+        </p:txBody>
+      </p:sp>
+    </p:spTree>
+    <p:extLst>
+      <p:ext uri="{BB962C8B-B14F-4D97-AF65-F5344CB8AC3E}">
+        <p14:creationId xmlns:p14="http://schemas.microsoft.com/office/powerpoint/2010/main" val="3648785053"/>
+      </p:ext>
+    </p:extLst>
+  </p:cSld>
+  <p:clrMapOvr>
+    <a:masterClrMapping/>
+  </p:clrMapOvr>
+</p:sld>
+</file>
+
+<file path=ppt/slides/slide11.xml><?xml version="1.0" encoding="utf-8"?>
+<p:sld xmlns:a="http://schemas.openxmlformats.org/drawingml/2006/main" xmlns:r="http://schemas.openxmlformats.org/officeDocument/2006/relationships" xmlns:p="http://schemas.openxmlformats.org/presentationml/2006/main">
+  <p:cSld>
+    <p:spTree>
+      <p:nvGrpSpPr>
+        <p:cNvPr id="1" name=""/>
+        <p:cNvGrpSpPr/>
+        <p:nvPr/>
+      </p:nvGrpSpPr>
+      <p:grpSpPr>
+        <a:xfrm>
+          <a:off x="0" y="0"/>
+          <a:ext cx="0" cy="0"/>
+          <a:chOff x="0" y="0"/>
+          <a:chExt cx="0" cy="0"/>
+        </a:xfrm>
+      </p:grpSpPr>
+      <p:sp>
+        <p:nvSpPr>
+          <p:cNvPr id="2" name="Title 1">
+            <a:extLst>
+              <a:ext uri="{FF2B5EF4-FFF2-40B4-BE49-F238E27FC236}">
+                <a16:creationId xmlns:a16="http://schemas.microsoft.com/office/drawing/2014/main" id="{ED98D046-5AC8-43F0-9CC3-9984E2363613}"/>
+              </a:ext>
+            </a:extLst>
+          </p:cNvPr>
+          <p:cNvSpPr>
+            <a:spLocks noGrp="1"/>
+          </p:cNvSpPr>
+          <p:nvPr>
+            <p:ph type="title"/>
+          </p:nvPr>
+        </p:nvSpPr>
+        <p:spPr/>
+        <p:txBody>
+          <a:bodyPr/>
+          <a:lstStyle/>
+          <a:p>
+            <a:r>
+              <a:rPr lang="en-US" dirty="0"/>
+              <a:t>When would an LB be most useful?</a:t>
+            </a:r>
+            <a:br>
+              <a:rPr lang="en-US" dirty="0"/>
+            </a:br>
+            <a:endParaRPr lang="en-US" dirty="0"/>
+          </a:p>
+        </p:txBody>
+      </p:sp>
+      <p:sp>
+        <p:nvSpPr>
+          <p:cNvPr id="3" name="Content Placeholder 2">
+            <a:extLst>
+              <a:ext uri="{FF2B5EF4-FFF2-40B4-BE49-F238E27FC236}">
+                <a16:creationId xmlns:a16="http://schemas.microsoft.com/office/drawing/2014/main" id="{A615BE32-A350-4755-92DC-92C301FB79AD}"/>
+              </a:ext>
+            </a:extLst>
+          </p:cNvPr>
+          <p:cNvSpPr>
+            <a:spLocks noGrp="1"/>
+          </p:cNvSpPr>
+          <p:nvPr>
+            <p:ph idx="1"/>
+          </p:nvPr>
+        </p:nvSpPr>
+        <p:spPr>
+          <a:xfrm>
+            <a:off x="1130270" y="2138289"/>
+            <a:ext cx="9603275" cy="3328056"/>
+          </a:xfrm>
+        </p:spPr>
+        <p:txBody>
+          <a:bodyPr/>
+          <a:lstStyle/>
+          <a:p>
+            <a:r>
+              <a:rPr lang="en-US" sz="2200" dirty="0"/>
+              <a:t>If you have two or more redundant application servers in your environment</a:t>
+            </a:r>
+          </a:p>
+          <a:p>
+            <a:r>
+              <a:rPr lang="en-US" sz="2200" dirty="0"/>
+              <a:t>If you want to architect an application solution that is easily scalable</a:t>
+            </a:r>
+          </a:p>
+          <a:p>
+            <a:r>
+              <a:rPr lang="en-US" sz="2200" dirty="0"/>
+              <a:t>If you want to architect an application solution that is highly available</a:t>
+            </a:r>
+          </a:p>
+          <a:p>
+            <a:pPr marL="0" indent="0">
+              <a:buNone/>
+            </a:pPr>
+            <a:endParaRPr lang="en-US" dirty="0"/>
+          </a:p>
+        </p:txBody>
+      </p:sp>
+    </p:spTree>
+    <p:extLst>
+      <p:ext uri="{BB962C8B-B14F-4D97-AF65-F5344CB8AC3E}">
+        <p14:creationId xmlns:p14="http://schemas.microsoft.com/office/powerpoint/2010/main" val="203206576"/>
+      </p:ext>
+    </p:extLst>
+  </p:cSld>
+  <p:clrMapOvr>
+    <a:masterClrMapping/>
+  </p:clrMapOvr>
+</p:sld>
+</file>
+
+<file path=ppt/slides/slide12.xml><?xml version="1.0" encoding="utf-8"?>
+<p:sld xmlns:a="http://schemas.openxmlformats.org/drawingml/2006/main" xmlns:r="http://schemas.openxmlformats.org/officeDocument/2006/relationships" xmlns:p="http://schemas.openxmlformats.org/presentationml/2006/main">
+  <p:cSld>
+    <p:spTree>
+      <p:nvGrpSpPr>
+        <p:cNvPr id="1" name=""/>
+        <p:cNvGrpSpPr/>
+        <p:nvPr/>
+      </p:nvGrpSpPr>
+      <p:grpSpPr>
+        <a:xfrm>
+          <a:off x="0" y="0"/>
+          <a:ext cx="0" cy="0"/>
+          <a:chOff x="0" y="0"/>
+          <a:chExt cx="0" cy="0"/>
+        </a:xfrm>
+      </p:grpSpPr>
+      <p:sp>
+        <p:nvSpPr>
+          <p:cNvPr id="2" name="Title 1">
+            <a:extLst>
+              <a:ext uri="{FF2B5EF4-FFF2-40B4-BE49-F238E27FC236}">
+                <a16:creationId xmlns:a16="http://schemas.microsoft.com/office/drawing/2014/main" id="{89F6F831-A3E4-47A4-A948-86917E1C81FF}"/>
+              </a:ext>
+            </a:extLst>
+          </p:cNvPr>
+          <p:cNvSpPr>
+            <a:spLocks noGrp="1"/>
+          </p:cNvSpPr>
+          <p:nvPr>
+            <p:ph type="title"/>
+          </p:nvPr>
+        </p:nvSpPr>
+        <p:spPr>
+          <a:xfrm>
+            <a:off x="1130269" y="798580"/>
+            <a:ext cx="9603275" cy="1049235"/>
+          </a:xfrm>
+        </p:spPr>
+        <p:txBody>
+          <a:bodyPr>
+            <a:normAutofit fontScale="90000"/>
+          </a:bodyPr>
+          <a:lstStyle/>
+          <a:p>
+            <a:r>
+              <a:rPr lang="en-US" dirty="0"/>
+              <a:t>What security features do you need with your Load Balancers?</a:t>
+            </a:r>
+            <a:br>
+              <a:rPr lang="en-US" dirty="0"/>
+            </a:br>
+            <a:endParaRPr lang="en-US" dirty="0"/>
+          </a:p>
+        </p:txBody>
+      </p:sp>
+      <p:sp>
+        <p:nvSpPr>
+          <p:cNvPr id="3" name="Content Placeholder 2">
+            <a:extLst>
+              <a:ext uri="{FF2B5EF4-FFF2-40B4-BE49-F238E27FC236}">
+                <a16:creationId xmlns:a16="http://schemas.microsoft.com/office/drawing/2014/main" id="{586C8206-DF8A-4E65-A15D-226D6D9622E3}"/>
+              </a:ext>
+            </a:extLst>
+          </p:cNvPr>
+          <p:cNvSpPr>
+            <a:spLocks noGrp="1"/>
+          </p:cNvSpPr>
+          <p:nvPr>
+            <p:ph idx="1"/>
+          </p:nvPr>
+        </p:nvSpPr>
+        <p:spPr>
+          <a:xfrm>
+            <a:off x="1130270" y="1847815"/>
+            <a:ext cx="9603275" cy="3618530"/>
+          </a:xfrm>
+        </p:spPr>
+        <p:txBody>
+          <a:bodyPr>
+            <a:normAutofit/>
+          </a:bodyPr>
+          <a:lstStyle/>
+          <a:p>
+            <a:r>
+              <a:rPr lang="en-US" dirty="0"/>
+              <a:t>Content Switching</a:t>
+            </a:r>
+          </a:p>
+          <a:p>
+            <a:r>
+              <a:rPr lang="en-US" dirty="0"/>
+              <a:t>SSL Acceleration</a:t>
+            </a:r>
+          </a:p>
+          <a:p>
+            <a:r>
+              <a:rPr lang="en-US" dirty="0"/>
+              <a:t>Data Compression</a:t>
+            </a:r>
+          </a:p>
+          <a:p>
+            <a:r>
+              <a:rPr lang="en-US" dirty="0"/>
+              <a:t>Data Caching</a:t>
+            </a:r>
+          </a:p>
+          <a:p>
+            <a:r>
+              <a:rPr lang="en-US" dirty="0"/>
+              <a:t>Intrusion Prevention</a:t>
+            </a:r>
+          </a:p>
+          <a:p>
+            <a:r>
+              <a:rPr lang="en-US" dirty="0"/>
+              <a:t>Single Sign-On</a:t>
+            </a:r>
+          </a:p>
+          <a:p>
+            <a:r>
+              <a:rPr lang="en-US" dirty="0"/>
+              <a:t>Pre-Authentication</a:t>
+            </a:r>
+          </a:p>
+          <a:p>
+            <a:endParaRPr lang="en-US" dirty="0"/>
+          </a:p>
+        </p:txBody>
+      </p:sp>
+    </p:spTree>
+    <p:extLst>
+      <p:ext uri="{BB962C8B-B14F-4D97-AF65-F5344CB8AC3E}">
+        <p14:creationId xmlns:p14="http://schemas.microsoft.com/office/powerpoint/2010/main" val="2925138356"/>
+      </p:ext>
+    </p:extLst>
+  </p:cSld>
+  <p:clrMapOvr>
+    <a:masterClrMapping/>
+  </p:clrMapOvr>
+</p:sld>
+</file>
+
+<file path=ppt/slides/slide13.xml><?xml version="1.0" encoding="utf-8"?>
+<p:sld xmlns:a="http://schemas.openxmlformats.org/drawingml/2006/main" xmlns:r="http://schemas.openxmlformats.org/officeDocument/2006/relationships" xmlns:p="http://schemas.openxmlformats.org/presentationml/2006/main">
+  <p:cSld>
+    <p:spTree>
+      <p:nvGrpSpPr>
+        <p:cNvPr id="1" name=""/>
+        <p:cNvGrpSpPr/>
+        <p:nvPr/>
+      </p:nvGrpSpPr>
+      <p:grpSpPr>
+        <a:xfrm>
+          <a:off x="0" y="0"/>
+          <a:ext cx="0" cy="0"/>
+          <a:chOff x="0" y="0"/>
+          <a:chExt cx="0" cy="0"/>
+        </a:xfrm>
+      </p:grpSpPr>
+      <p:sp>
+        <p:nvSpPr>
+          <p:cNvPr id="2" name="Title 1"/>
+          <p:cNvSpPr>
+            <a:spLocks noGrp="1"/>
+          </p:cNvSpPr>
+          <p:nvPr>
+            <p:ph type="title"/>
+          </p:nvPr>
+        </p:nvSpPr>
+        <p:spPr/>
+        <p:txBody>
+          <a:bodyPr/>
+          <a:lstStyle/>
+          <a:p>
+            <a:r>
+              <a:rPr lang="en-IN" dirty="0"/>
+              <a:t>References</a:t>
+            </a:r>
+          </a:p>
+        </p:txBody>
+      </p:sp>
+      <p:sp>
+        <p:nvSpPr>
+          <p:cNvPr id="3" name="Content Placeholder 2"/>
+          <p:cNvSpPr>
+            <a:spLocks noGrp="1"/>
+          </p:cNvSpPr>
+          <p:nvPr>
+            <p:ph idx="1"/>
+          </p:nvPr>
+        </p:nvSpPr>
+        <p:spPr/>
+        <p:txBody>
+          <a:bodyPr/>
+          <a:lstStyle/>
+          <a:p>
+            <a:r>
+              <a:rPr lang="en-IN" dirty="0">
+                <a:hlinkClick r:id="rId2"/>
+              </a:rPr>
+              <a:t>https://www.serverwatch.com/server-tutorials/slideshows/11-load-balancers-you-need-to-know-in-2016.html</a:t>
+            </a:r>
+            <a:endParaRPr lang="en-IN" dirty="0"/>
+          </a:p>
+          <a:p>
+            <a:r>
+              <a:rPr lang="en-IN" dirty="0">
+                <a:hlinkClick r:id="rId3"/>
+              </a:rPr>
+              <a:t>http://www.thegeekstuff.com/2016/01/load-balancer-intro/</a:t>
+            </a:r>
+            <a:endParaRPr lang="en-IN" dirty="0"/>
+          </a:p>
+          <a:p>
+            <a:r>
+              <a:rPr lang="en-IN" dirty="0">
+                <a:hlinkClick r:id="rId4"/>
+              </a:rPr>
+              <a:t>https://www.digitalocean.com/community/tutorials/what-is-load-balancing</a:t>
+            </a:r>
+            <a:endParaRPr lang="en-IN" dirty="0"/>
+          </a:p>
+          <a:p>
+            <a:r>
+              <a:rPr lang="en-IN" dirty="0">
+                <a:hlinkClick r:id="rId5"/>
+              </a:rPr>
+              <a:t>https://www.nginx.com/resources/glossary/layer-4-load-balancing/</a:t>
+            </a:r>
+            <a:endParaRPr lang="en-IN" dirty="0"/>
+          </a:p>
+        </p:txBody>
+      </p:sp>
+    </p:spTree>
+  </p:cSld>
+  <p:clrMapOvr>
+    <a:masterClrMapping/>
+  </p:clrMapOvr>
+</p:sld>
+</file>
+
+<file path=ppt/slides/slide14.xml><?xml version="1.0" encoding="utf-8"?>
+<p:sld xmlns:a="http://schemas.openxmlformats.org/drawingml/2006/main" xmlns:r="http://schemas.openxmlformats.org/officeDocument/2006/relationships" xmlns:p="http://schemas.openxmlformats.org/presentationml/2006/main">
+  <p:cSld>
+    <p:spTree>
+      <p:nvGrpSpPr>
+        <p:cNvPr id="1" name=""/>
+        <p:cNvGrpSpPr/>
+        <p:nvPr/>
+      </p:nvGrpSpPr>
+      <p:grpSpPr>
+        <a:xfrm>
+          <a:off x="0" y="0"/>
+          <a:ext cx="0" cy="0"/>
+          <a:chOff x="0" y="0"/>
+          <a:chExt cx="0" cy="0"/>
+        </a:xfrm>
+      </p:grpSpPr>
+      <p:sp>
+        <p:nvSpPr>
+          <p:cNvPr id="3" name="Content Placeholder 2"/>
+          <p:cNvSpPr>
+            <a:spLocks noGrp="1"/>
+          </p:cNvSpPr>
+          <p:nvPr>
+            <p:ph idx="1"/>
+          </p:nvPr>
+        </p:nvSpPr>
+        <p:spPr>
+          <a:xfrm>
+            <a:off x="1130270" y="1434905"/>
+            <a:ext cx="9603275" cy="4031440"/>
+          </a:xfrm>
+        </p:spPr>
+        <p:txBody>
+          <a:bodyPr>
+            <a:normAutofit/>
+          </a:bodyPr>
+          <a:lstStyle/>
+          <a:p>
+            <a:pPr marL="0" indent="0" algn="ctr">
+              <a:buNone/>
+            </a:pPr>
+            <a:r>
+              <a:rPr lang="en-IN" sz="3600" dirty="0"/>
+              <a:t> Thank you!</a:t>
+            </a:r>
+          </a:p>
+          <a:p>
+            <a:pPr marL="0" indent="0" algn="ctr">
+              <a:buNone/>
+            </a:pPr>
+            <a:endParaRPr lang="en-IN" sz="3600" dirty="0"/>
+          </a:p>
+          <a:p>
+            <a:pPr marL="0" indent="0" algn="ctr">
+              <a:buNone/>
+            </a:pPr>
+            <a:r>
+              <a:rPr lang="en-IN" sz="3600" dirty="0"/>
+              <a:t>Any Questions? </a:t>
+            </a:r>
+          </a:p>
+        </p:txBody>
+      </p:sp>
+    </p:spTree>
   </p:cSld>
   <p:clrMapOvr>
     <a:masterClrMapping/>
@@ -4537,100 +5245,7 @@
       </p:grpSpPr>
       <p:sp>
         <p:nvSpPr>
-          <p:cNvPr id="3" name="Content Placeholder 2"/>
-          <p:cNvSpPr>
-            <a:spLocks noGrp="1"/>
-          </p:cNvSpPr>
-          <p:nvPr>
-            <p:ph idx="1"/>
-          </p:nvPr>
-        </p:nvSpPr>
-        <p:spPr>
-          <a:xfrm>
-            <a:off x="1130270" y="1561514"/>
-            <a:ext cx="9603275" cy="4332849"/>
-          </a:xfrm>
-        </p:spPr>
-        <p:txBody>
-          <a:bodyPr>
-            <a:normAutofit/>
-          </a:bodyPr>
-          <a:lstStyle/>
-          <a:p>
-            <a:r>
-              <a:rPr lang="en-IN" b="1" dirty="0"/>
-              <a:t>Software load balancers </a:t>
-            </a:r>
-            <a:r>
-              <a:rPr lang="en-IN" dirty="0"/>
-              <a:t>– implements a combination of scheduling algorithms</a:t>
-            </a:r>
-          </a:p>
-          <a:p>
-            <a:pPr lvl="1"/>
-            <a:r>
-              <a:rPr lang="en-IN" dirty="0"/>
-              <a:t>Weighted scheduling algorithms </a:t>
-            </a:r>
-          </a:p>
-          <a:p>
-            <a:pPr lvl="1">
-              <a:buNone/>
-            </a:pPr>
-            <a:r>
-              <a:rPr lang="en-IN" sz="2000" dirty="0"/>
-              <a:t>	Traffic sent to a server according to weight assigned to it. Weight determined according to hardware capabilities</a:t>
-            </a:r>
-          </a:p>
-          <a:p>
-            <a:pPr lvl="1"/>
-            <a:r>
-              <a:rPr lang="en-IN" dirty="0"/>
-              <a:t>Round robin scheduling</a:t>
-            </a:r>
-          </a:p>
-          <a:p>
-            <a:pPr lvl="1">
-              <a:buNone/>
-            </a:pPr>
-            <a:r>
-              <a:rPr lang="en-IN" sz="2000" dirty="0"/>
-              <a:t>	Requests are served by servers sequentially</a:t>
-            </a:r>
-          </a:p>
-          <a:p>
-            <a:pPr lvl="1"/>
-            <a:r>
-              <a:rPr lang="en-IN" dirty="0"/>
-              <a:t>Least connection first scheduling</a:t>
-            </a:r>
-          </a:p>
-          <a:p>
-            <a:pPr lvl="1">
-              <a:buNone/>
-            </a:pPr>
-            <a:r>
-              <a:rPr lang="en-IN" sz="2000" dirty="0"/>
-              <a:t>	Request served first to server currently handling least number of persistent connections</a:t>
-            </a:r>
-          </a:p>
-          <a:p>
-            <a:pPr>
-              <a:buNone/>
-            </a:pPr>
-            <a:endParaRPr lang="en-IN" dirty="0"/>
-          </a:p>
-          <a:p>
-            <a:pPr lvl="1">
-              <a:buNone/>
-            </a:pPr>
-            <a:endParaRPr lang="en-IN" dirty="0"/>
-          </a:p>
-        </p:txBody>
-      </p:sp>
-      <p:sp>
-        <p:nvSpPr>
-          <p:cNvPr id="4" name="Title 3"/>
+          <p:cNvPr id="2" name="Title 1"/>
           <p:cNvSpPr>
             <a:spLocks noGrp="1"/>
           </p:cNvSpPr>
@@ -4647,13 +5262,89 @@
               <a:rPr lang="en-IN" dirty="0"/>
               <a:t>Types of load balancers</a:t>
             </a:r>
+          </a:p>
+        </p:txBody>
+      </p:sp>
+      <p:sp>
+        <p:nvSpPr>
+          <p:cNvPr id="3" name="Content Placeholder 2"/>
+          <p:cNvSpPr>
+            <a:spLocks noGrp="1"/>
+          </p:cNvSpPr>
+          <p:nvPr>
+            <p:ph idx="1"/>
+          </p:nvPr>
+        </p:nvSpPr>
+        <p:spPr>
+          <a:xfrm>
+            <a:off x="1130270" y="1645920"/>
+            <a:ext cx="9603275" cy="4360985"/>
+          </a:xfrm>
+        </p:spPr>
+        <p:txBody>
+          <a:bodyPr>
+            <a:normAutofit fontScale="92500"/>
+          </a:bodyPr>
+          <a:lstStyle/>
+          <a:p>
+            <a:pPr marL="0" indent="0">
+              <a:buNone/>
+            </a:pPr>
+            <a:r>
+              <a:rPr lang="en-IN" sz="2800" b="1" dirty="0"/>
+              <a:t>Hardware load balancers </a:t>
+            </a:r>
+            <a:r>
+              <a:rPr lang="en-IN" sz="2800" dirty="0"/>
+              <a:t>– device between client and server to balance the load </a:t>
+            </a:r>
+          </a:p>
+          <a:p>
+            <a:r>
+              <a:rPr lang="en-IN" b="1" dirty="0"/>
+              <a:t>Layer 4 Hardware load balancing</a:t>
+            </a:r>
+          </a:p>
+          <a:p>
+            <a:pPr>
+              <a:buNone/>
+            </a:pPr>
+            <a:r>
+              <a:rPr lang="en-IN" sz="2200" dirty="0"/>
+              <a:t>	</a:t>
+            </a:r>
+            <a:r>
+              <a:rPr lang="en-IN" sz="2400" dirty="0"/>
+              <a:t>uses information defined at the networking </a:t>
+            </a:r>
+            <a:r>
+              <a:rPr lang="en-IN" sz="2400" i="1" dirty="0"/>
+              <a:t>transport</a:t>
+            </a:r>
+            <a:r>
+              <a:rPr lang="en-IN" sz="2400" dirty="0"/>
+              <a:t> layer (Layer 4) as the basis for deciding how to distribute client requests across a group of servers. </a:t>
+            </a:r>
+          </a:p>
+          <a:p>
+            <a:pPr>
+              <a:buNone/>
+            </a:pPr>
+            <a:r>
+              <a:rPr lang="en-IN" sz="2400" dirty="0"/>
+              <a:t>	For Internet traffic specifically, it bases the load-balancing decision on the source and destination IP addresses and ports recorded in the packet header, without considering the contents of the packet.</a:t>
+            </a:r>
+            <a:endParaRPr lang="en-IN" sz="2200" dirty="0"/>
+          </a:p>
+          <a:p>
+            <a:endParaRPr lang="en-IN" dirty="0"/>
           </a:p>
         </p:txBody>
       </p:sp>
     </p:spTree>
     <p:extLst>
       <p:ext uri="{BB962C8B-B14F-4D97-AF65-F5344CB8AC3E}">
-        <p14:creationId xmlns:p14="http://schemas.microsoft.com/office/powerpoint/2010/main" val="4261341437"/>
+        <p14:creationId xmlns:p14="http://schemas.microsoft.com/office/powerpoint/2010/main" val="477200360"/>
       </p:ext>
     </p:extLst>
   </p:cSld>
@@ -4682,96 +5373,44 @@
       </p:grpSpPr>
       <p:sp>
         <p:nvSpPr>
-          <p:cNvPr id="2" name="Title 1"/>
-          <p:cNvSpPr>
-            <a:spLocks noGrp="1"/>
-          </p:cNvSpPr>
-          <p:nvPr>
-            <p:ph type="title"/>
-          </p:nvPr>
-        </p:nvSpPr>
-        <p:spPr/>
+          <p:cNvPr id="3" name="Content Placeholder 2"/>
+          <p:cNvSpPr>
+            <a:spLocks noGrp="1"/>
+          </p:cNvSpPr>
+          <p:nvPr>
+            <p:ph idx="1"/>
+          </p:nvPr>
+        </p:nvSpPr>
+        <p:spPr>
+          <a:xfrm>
+            <a:off x="1130270" y="1167618"/>
+            <a:ext cx="4665619" cy="4298727"/>
+          </a:xfrm>
+        </p:spPr>
         <p:txBody>
           <a:bodyPr/>
           <a:lstStyle/>
           <a:p>
             <a:r>
+              <a:rPr lang="en-IN" b="1" dirty="0"/>
+              <a:t>Layer 7 Hardware load balancing</a:t>
+            </a:r>
+          </a:p>
+          <a:p>
+            <a:pPr>
+              <a:buNone/>
+            </a:pPr>
+            <a:r>
               <a:rPr lang="en-IN" dirty="0"/>
-              <a:t>Types of load balancers</a:t>
-            </a:r>
-          </a:p>
-        </p:txBody>
-      </p:sp>
-      <p:sp>
-        <p:nvSpPr>
-          <p:cNvPr id="3" name="Content Placeholder 2"/>
-          <p:cNvSpPr>
-            <a:spLocks noGrp="1"/>
-          </p:cNvSpPr>
-          <p:nvPr>
-            <p:ph idx="1"/>
-          </p:nvPr>
-        </p:nvSpPr>
-        <p:spPr>
-          <a:xfrm>
-            <a:off x="1130270" y="1645920"/>
-            <a:ext cx="9603275" cy="4360985"/>
-          </a:xfrm>
-        </p:spPr>
-        <p:txBody>
-          <a:bodyPr>
-            <a:normAutofit fontScale="92500" lnSpcReduction="20000"/>
-          </a:bodyPr>
-          <a:lstStyle/>
-          <a:p>
-            <a:pPr marL="0" indent="0">
+              <a:t>	makes the decision according to the actual content of the message (URLs, cookies, scripts)</a:t>
+            </a:r>
+          </a:p>
+          <a:p>
+            <a:pPr>
               <a:buNone/>
             </a:pPr>
             <a:r>
-              <a:rPr lang="en-IN" sz="2800" b="1" dirty="0"/>
-              <a:t>Hardware load balancers </a:t>
-            </a:r>
-            <a:r>
-              <a:rPr lang="en-IN" sz="2800" dirty="0"/>
-              <a:t>– device between client and server to balance the load </a:t>
-            </a:r>
-          </a:p>
-          <a:p>
-            <a:r>
               <a:rPr lang="en-IN" dirty="0"/>
-              <a:t>Layer 4 Hardware load balancing</a:t>
-            </a:r>
-          </a:p>
-          <a:p>
-            <a:pPr>
-              <a:buNone/>
-            </a:pPr>
-            <a:r>
-              <a:rPr lang="en-IN" sz="2200" dirty="0"/>
-              <a:t>	These kind of load balancers work on transport layer of OSI model and make use of TCP, UDP and SCTP transport layer protocol details to make decision on which server the data is to be sent.</a:t>
-            </a:r>
-          </a:p>
-          <a:p>
-            <a:r>
-              <a:rPr lang="en-IN" dirty="0"/>
-              <a:t>Layer 7 Hardware load balancing</a:t>
-            </a:r>
-          </a:p>
-          <a:p>
-            <a:pPr>
-              <a:buNone/>
-            </a:pPr>
-            <a:r>
-              <a:rPr lang="en-IN" sz="2200" dirty="0"/>
-              <a:t>	makes the decision according to the actual content of the message (URLs, cookies, scripts)</a:t>
-            </a:r>
-          </a:p>
-          <a:p>
-            <a:pPr>
-              <a:buNone/>
-            </a:pPr>
-            <a:r>
-              <a:rPr lang="en-IN" sz="2200" dirty="0"/>
               <a:t>	For example, the request for image will go to an image server, request for PHP scripts may go to another server</a:t>
             </a:r>
           </a:p>
@@ -4780,12 +5419,40 @@
           </a:p>
         </p:txBody>
       </p:sp>
+      <p:pic>
+        <p:nvPicPr>
+          <p:cNvPr id="1026" name="Picture 2"/>
+          <p:cNvPicPr>
+            <a:picLocks noChangeAspect="1" noChangeArrowheads="1"/>
+          </p:cNvPicPr>
+          <p:nvPr/>
+        </p:nvPicPr>
+        <p:blipFill>
+          <a:blip r:embed="rId2"/>
+          <a:srcRect/>
+          <a:stretch>
+            <a:fillRect/>
+          </a:stretch>
+        </p:blipFill>
+        <p:spPr bwMode="auto">
+          <a:xfrm>
+            <a:off x="5711482" y="858129"/>
+            <a:ext cx="6480517" cy="5176911"/>
+          </a:xfrm>
+          <a:prstGeom prst="rect">
+            <a:avLst/>
+          </a:prstGeom>
+          <a:noFill/>
+          <a:ln w="9525">
+            <a:noFill/>
+            <a:miter lim="800000"/>
+            <a:headEnd/>
+            <a:tailEnd/>
+          </a:ln>
+          <a:effectLst/>
+        </p:spPr>
+      </p:pic>
     </p:spTree>
-    <p:extLst>
-      <p:ext uri="{BB962C8B-B14F-4D97-AF65-F5344CB8AC3E}">
-        <p14:creationId xmlns:p14="http://schemas.microsoft.com/office/powerpoint/2010/main" val="477200360"/>
-      </p:ext>
-    </p:extLst>
   </p:cSld>
   <p:clrMapOvr>
     <a:masterClrMapping/>
@@ -4823,7 +5490,7 @@
         <p:spPr>
           <a:xfrm>
             <a:off x="1130270" y="953324"/>
-            <a:ext cx="9603275" cy="1049235"/>
+            <a:ext cx="9603275" cy="931747"/>
           </a:xfrm>
         </p:spPr>
         <p:txBody>
@@ -4832,7 +5499,7 @@
           <a:p>
             <a:r>
               <a:rPr lang="en-IN" dirty="0"/>
-              <a:t>Examples of load balancers</a:t>
+              <a:t>Types of load balancers</a:t>
             </a:r>
           </a:p>
         </p:txBody>
@@ -4849,87 +5516,80 @@
         </p:nvSpPr>
         <p:spPr>
           <a:xfrm>
-            <a:off x="1130270" y="1575582"/>
-            <a:ext cx="9603275" cy="4234375"/>
+            <a:off x="1130270" y="1927274"/>
+            <a:ext cx="4848499" cy="3539071"/>
           </a:xfrm>
         </p:spPr>
         <p:txBody>
           <a:bodyPr>
-            <a:normAutofit lnSpcReduction="10000"/>
+            <a:normAutofit/>
           </a:bodyPr>
           <a:lstStyle/>
           <a:p>
-            <a:pPr>
+            <a:r>
+              <a:rPr lang="en-IN" b="1" dirty="0"/>
+              <a:t>Software load balancers </a:t>
+            </a:r>
+            <a:r>
+              <a:rPr lang="en-IN" dirty="0"/>
+              <a:t>– implements a combination of scheduling algorithms</a:t>
+            </a:r>
+          </a:p>
+          <a:p>
+            <a:pPr lvl="1"/>
+            <a:r>
+              <a:rPr lang="en-IN" b="1" dirty="0"/>
+              <a:t>Weighted scheduling algorithms </a:t>
+            </a:r>
+          </a:p>
+          <a:p>
+            <a:pPr lvl="1">
               <a:buNone/>
             </a:pPr>
             <a:r>
-              <a:rPr lang="en-IN" b="1" dirty="0"/>
-              <a:t>	</a:t>
-            </a:r>
-            <a:r>
-              <a:rPr lang="en-IN" b="1" u="sng" dirty="0"/>
-              <a:t>Hardware based</a:t>
-            </a:r>
-          </a:p>
-          <a:p>
-            <a:r>
-              <a:rPr lang="en-IN" b="1" dirty="0"/>
-              <a:t>F5 BIG-IP Local Traffic Manager – </a:t>
-            </a:r>
-            <a:r>
-              <a:rPr lang="en-IN" dirty="0"/>
-              <a:t>intelligent traffic management, based on full proxy architecture</a:t>
-            </a:r>
-          </a:p>
-          <a:p>
-            <a:r>
-              <a:rPr lang="en-IN" b="1" dirty="0"/>
-              <a:t>Cisco Load balancer – </a:t>
-            </a:r>
-            <a:r>
-              <a:rPr lang="en-IN" dirty="0"/>
-              <a:t>router products have load balancing capabilities inbuilt. Features include sticky sessions, TCP session reassignment, automatic </a:t>
-            </a:r>
-            <a:r>
-              <a:rPr lang="en-IN" dirty="0" err="1"/>
-              <a:t>unfail</a:t>
-            </a:r>
+              <a:rPr lang="en-IN" sz="2000" dirty="0"/>
+              <a:t>	Traffic sent to a server according to weight assigned to it. Weight determined according to hardware capabilities</a:t>
+            </a:r>
+          </a:p>
+          <a:p>
             <a:endParaRPr lang="en-IN" dirty="0"/>
           </a:p>
-          <a:p>
-            <a:r>
-              <a:rPr lang="en-IN" b="1" dirty="0"/>
-              <a:t>Barracuda Load balancer – </a:t>
-            </a:r>
-            <a:r>
-              <a:rPr lang="en-IN" dirty="0"/>
-              <a:t>provides intrusion prevention, global load balancing and content caching</a:t>
-            </a:r>
-          </a:p>
-          <a:p>
-            <a:r>
-              <a:rPr lang="en-IN" b="1" dirty="0"/>
-              <a:t>Coyote point – </a:t>
-            </a:r>
-            <a:r>
-              <a:rPr lang="en-IN" dirty="0"/>
-              <a:t>supports all web based applications. Also supports round robin and weighted load balancing algorithms</a:t>
-            </a:r>
-          </a:p>
-          <a:p>
-            <a:endParaRPr lang="en-IN" b="1" dirty="0"/>
-          </a:p>
-          <a:p>
-            <a:endParaRPr lang="en-IN" dirty="0"/>
-          </a:p>
-        </p:txBody>
-      </p:sp>
+        </p:txBody>
+      </p:sp>
+      <p:pic>
+        <p:nvPicPr>
+          <p:cNvPr id="2050" name="Picture 2"/>
+          <p:cNvPicPr>
+            <a:picLocks noChangeAspect="1" noChangeArrowheads="1"/>
+          </p:cNvPicPr>
+          <p:nvPr/>
+        </p:nvPicPr>
+        <p:blipFill>
+          <a:blip r:embed="rId2"/>
+          <a:srcRect/>
+          <a:stretch>
+            <a:fillRect/>
+          </a:stretch>
+        </p:blipFill>
+        <p:spPr bwMode="auto">
+          <a:xfrm>
+            <a:off x="5697416" y="1432560"/>
+            <a:ext cx="6494584" cy="4602480"/>
+          </a:xfrm>
+          <a:prstGeom prst="rect">
+            <a:avLst/>
+          </a:prstGeom>
+          <a:noFill/>
+          <a:ln w="9525">
+            <a:noFill/>
+            <a:miter lim="800000"/>
+            <a:headEnd/>
+            <a:tailEnd/>
+          </a:ln>
+          <a:effectLst/>
+        </p:spPr>
+      </p:pic>
     </p:spTree>
-    <p:extLst>
-      <p:ext uri="{BB962C8B-B14F-4D97-AF65-F5344CB8AC3E}">
-        <p14:creationId xmlns:p14="http://schemas.microsoft.com/office/powerpoint/2010/main" val="3671110700"/>
-      </p:ext>
-    </p:extLst>
   </p:cSld>
   <p:clrMapOvr>
     <a:masterClrMapping/>
@@ -4956,102 +5616,78 @@
       </p:grpSpPr>
       <p:sp>
         <p:nvSpPr>
-          <p:cNvPr id="2" name="Title 1"/>
-          <p:cNvSpPr>
-            <a:spLocks noGrp="1"/>
-          </p:cNvSpPr>
-          <p:nvPr>
-            <p:ph type="title"/>
-          </p:nvPr>
-        </p:nvSpPr>
-        <p:spPr/>
+          <p:cNvPr id="3" name="Content Placeholder 2"/>
+          <p:cNvSpPr>
+            <a:spLocks noGrp="1"/>
+          </p:cNvSpPr>
+          <p:nvPr>
+            <p:ph idx="1"/>
+          </p:nvPr>
+        </p:nvSpPr>
+        <p:spPr>
+          <a:xfrm>
+            <a:off x="1130270" y="1055077"/>
+            <a:ext cx="4398333" cy="4411268"/>
+          </a:xfrm>
+        </p:spPr>
         <p:txBody>
           <a:bodyPr/>
           <a:lstStyle/>
           <a:p>
-            <a:r>
-              <a:rPr lang="en-IN" dirty="0"/>
-              <a:t>Examples of load balancers</a:t>
-            </a:r>
-          </a:p>
-        </p:txBody>
-      </p:sp>
-      <p:sp>
-        <p:nvSpPr>
-          <p:cNvPr id="3" name="Content Placeholder 2"/>
-          <p:cNvSpPr>
-            <a:spLocks noGrp="1"/>
-          </p:cNvSpPr>
-          <p:nvPr>
-            <p:ph idx="1"/>
-          </p:nvPr>
-        </p:nvSpPr>
-        <p:spPr>
-          <a:xfrm>
-            <a:off x="1130270" y="1645920"/>
-            <a:ext cx="9603275" cy="3820425"/>
-          </a:xfrm>
-        </p:spPr>
-        <p:txBody>
-          <a:bodyPr>
-            <a:normAutofit fontScale="85000" lnSpcReduction="20000"/>
-          </a:bodyPr>
-          <a:lstStyle/>
-          <a:p>
-            <a:pPr>
+            <a:pPr lvl="1"/>
+            <a:r>
+              <a:rPr lang="en-IN" b="1" dirty="0"/>
+              <a:t>Round robin scheduling</a:t>
+            </a:r>
+          </a:p>
+          <a:p>
+            <a:pPr lvl="1">
               <a:buNone/>
             </a:pPr>
             <a:r>
-              <a:rPr lang="en-IN" dirty="0"/>
-              <a:t>	</a:t>
-            </a:r>
-            <a:r>
-              <a:rPr lang="en-IN" sz="2700" b="1" u="sng" dirty="0"/>
-              <a:t>Software based</a:t>
-            </a:r>
-          </a:p>
-          <a:p>
-            <a:r>
-              <a:rPr lang="en-IN" sz="2700" b="1" dirty="0"/>
-              <a:t>Resonate central dispatch - </a:t>
-            </a:r>
-            <a:r>
-              <a:rPr lang="en-IN" sz="2700" dirty="0"/>
-              <a:t> software-based advanced load balancing solution that utilizes patented resource-based scheduling technology to orchestrate routing decisions based on actual statistics and heuristics obtained from the server and network data centre infrastructure.</a:t>
-            </a:r>
-          </a:p>
-          <a:p>
-            <a:r>
-              <a:rPr lang="en-IN" sz="2700" b="1" dirty="0"/>
-              <a:t>Zen load balancer – </a:t>
-            </a:r>
-            <a:r>
-              <a:rPr lang="en-IN" sz="2700" dirty="0"/>
-              <a:t>software based, open source</a:t>
-            </a:r>
-          </a:p>
-          <a:p>
-            <a:r>
-              <a:rPr lang="en-IN" sz="2700" b="1" dirty="0"/>
-              <a:t>NGINX Plus – </a:t>
-            </a:r>
-            <a:r>
-              <a:rPr lang="en-IN" sz="2700" dirty="0"/>
-              <a:t>software based,  features like automatic health check, session persistence, live activity monitoring</a:t>
-            </a:r>
-          </a:p>
-          <a:p>
-            <a:pPr lvl="1"/>
+              <a:rPr lang="en-IN" sz="2000" dirty="0"/>
+              <a:t>	Requests are served by servers sequentially</a:t>
+            </a:r>
+          </a:p>
+          <a:p>
             <a:endParaRPr lang="en-IN" dirty="0"/>
           </a:p>
         </p:txBody>
       </p:sp>
+      <p:pic>
+        <p:nvPicPr>
+          <p:cNvPr id="3074" name="Picture 2"/>
+          <p:cNvPicPr>
+            <a:picLocks noChangeAspect="1" noChangeArrowheads="1"/>
+          </p:cNvPicPr>
+          <p:nvPr/>
+        </p:nvPicPr>
+        <p:blipFill>
+          <a:blip r:embed="rId2"/>
+          <a:srcRect/>
+          <a:stretch>
+            <a:fillRect/>
+          </a:stretch>
+        </p:blipFill>
+        <p:spPr bwMode="auto">
+          <a:xfrm>
+            <a:off x="4839287" y="888463"/>
+            <a:ext cx="6794695" cy="5118442"/>
+          </a:xfrm>
+          <a:prstGeom prst="rect">
+            <a:avLst/>
+          </a:prstGeom>
+          <a:noFill/>
+          <a:ln w="9525">
+            <a:noFill/>
+            <a:miter lim="800000"/>
+            <a:headEnd/>
+            <a:tailEnd/>
+          </a:ln>
+          <a:effectLst/>
+        </p:spPr>
+      </p:pic>
     </p:spTree>
-    <p:extLst>
-      <p:ext uri="{BB962C8B-B14F-4D97-AF65-F5344CB8AC3E}">
-        <p14:creationId xmlns:p14="http://schemas.microsoft.com/office/powerpoint/2010/main" val="3378276386"/>
-      </p:ext>
-    </p:extLst>
   </p:cSld>
   <p:clrMapOvr>
     <a:masterClrMapping/>
@@ -5078,6 +5714,71 @@
       </p:grpSpPr>
       <p:sp>
         <p:nvSpPr>
+          <p:cNvPr id="3" name="Content Placeholder 2"/>
+          <p:cNvSpPr>
+            <a:spLocks noGrp="1"/>
+          </p:cNvSpPr>
+          <p:nvPr>
+            <p:ph idx="1"/>
+          </p:nvPr>
+        </p:nvSpPr>
+        <p:spPr>
+          <a:xfrm>
+            <a:off x="1130270" y="1856935"/>
+            <a:ext cx="9209483" cy="3609410"/>
+          </a:xfrm>
+        </p:spPr>
+        <p:txBody>
+          <a:bodyPr/>
+          <a:lstStyle/>
+          <a:p>
+            <a:pPr lvl="1"/>
+            <a:r>
+              <a:rPr lang="en-IN" b="1" dirty="0"/>
+              <a:t>Least connection first scheduling</a:t>
+            </a:r>
+          </a:p>
+          <a:p>
+            <a:pPr lvl="1">
+              <a:buNone/>
+            </a:pPr>
+            <a:r>
+              <a:rPr lang="en-IN" sz="2000" dirty="0"/>
+              <a:t>	Request served first to server currently handling least number of persistent connections</a:t>
+            </a:r>
+          </a:p>
+          <a:p>
+            <a:endParaRPr lang="en-IN" dirty="0"/>
+          </a:p>
+        </p:txBody>
+      </p:sp>
+    </p:spTree>
+  </p:cSld>
+  <p:clrMapOvr>
+    <a:masterClrMapping/>
+  </p:clrMapOvr>
+</p:sld>
+</file>
+
+<file path=ppt/slides/slide8.xml><?xml version="1.0" encoding="utf-8"?>
+<p:sld xmlns:a="http://schemas.openxmlformats.org/drawingml/2006/main" xmlns:r="http://schemas.openxmlformats.org/officeDocument/2006/relationships" xmlns:p="http://schemas.openxmlformats.org/presentationml/2006/main">
+  <p:cSld>
+    <p:spTree>
+      <p:nvGrpSpPr>
+        <p:cNvPr id="1" name=""/>
+        <p:cNvGrpSpPr/>
+        <p:nvPr/>
+      </p:nvGrpSpPr>
+      <p:grpSpPr>
+        <a:xfrm>
+          <a:off x="0" y="0"/>
+          <a:ext cx="0" cy="0"/>
+          <a:chOff x="0" y="0"/>
+          <a:chExt cx="0" cy="0"/>
+        </a:xfrm>
+      </p:grpSpPr>
+      <p:sp>
+        <p:nvSpPr>
           <p:cNvPr id="2" name="Title 1"/>
           <p:cNvSpPr>
             <a:spLocks noGrp="1"/>
@@ -5086,14 +5787,19 @@
             <p:ph type="title"/>
           </p:nvPr>
         </p:nvSpPr>
-        <p:spPr/>
+        <p:spPr>
+          <a:xfrm>
+            <a:off x="1130270" y="953324"/>
+            <a:ext cx="9603275" cy="1049235"/>
+          </a:xfrm>
+        </p:spPr>
         <p:txBody>
           <a:bodyPr/>
           <a:lstStyle/>
           <a:p>
             <a:r>
               <a:rPr lang="en-IN" dirty="0"/>
-              <a:t>References</a:t>
+              <a:t>Examples of load balancers</a:t>
             </a:r>
           </a:p>
         </p:txBody>
@@ -5110,44 +5816,93 @@
         </p:nvSpPr>
         <p:spPr>
           <a:xfrm>
-            <a:off x="1130270" y="1856935"/>
-            <a:ext cx="9603275" cy="3609410"/>
-          </a:xfrm>
-        </p:spPr>
-        <p:txBody>
-          <a:bodyPr/>
-          <a:lstStyle/>
-          <a:p>
-            <a:r>
-              <a:rPr lang="en-IN" dirty="0">
-                <a:hlinkClick r:id="rId2"/>
-              </a:rPr>
-              <a:t>https://www.serverwatch.com/server-tutorials/slideshows/11-load-balancers-you-need-to-know-in-2016.html</a:t>
+            <a:off x="1130270" y="1814732"/>
+            <a:ext cx="9603275" cy="3651613"/>
+          </a:xfrm>
+        </p:spPr>
+        <p:txBody>
+          <a:bodyPr>
+            <a:normAutofit fontScale="85000" lnSpcReduction="20000"/>
+          </a:bodyPr>
+          <a:lstStyle/>
+          <a:p>
+            <a:pPr>
+              <a:buNone/>
+            </a:pPr>
+            <a:r>
+              <a:rPr lang="en-IN" b="1" dirty="0"/>
+              <a:t>	</a:t>
+            </a:r>
+            <a:r>
+              <a:rPr lang="en-IN" b="1" u="sng" dirty="0"/>
+              <a:t>Hardware based</a:t>
+            </a:r>
+          </a:p>
+          <a:p>
+            <a:r>
+              <a:rPr lang="en-IN" b="1" dirty="0"/>
+              <a:t>F5 BIG-IP Local Traffic Manager</a:t>
             </a:r>
             <a:endParaRPr lang="en-IN" dirty="0"/>
           </a:p>
           <a:p>
             <a:r>
-              <a:rPr lang="en-IN" dirty="0">
-                <a:hlinkClick r:id="rId3"/>
-              </a:rPr>
-              <a:t>http://www.thegeekstuff.com/2016/01/load-balancer-intro/</a:t>
+              <a:rPr lang="en-IN" b="1" dirty="0"/>
+              <a:t>Cisco Load balancer</a:t>
             </a:r>
             <a:endParaRPr lang="en-IN" dirty="0"/>
           </a:p>
           <a:p>
             <a:r>
-              <a:rPr lang="en-IN" dirty="0">
-                <a:hlinkClick r:id="rId4"/>
-              </a:rPr>
-              <a:t>https://www.digitalocean.com/community/tutorials/what-is-load-balancing</a:t>
+              <a:rPr lang="en-IN" b="1" dirty="0"/>
+              <a:t>Barracuda Load balancer</a:t>
             </a:r>
             <a:endParaRPr lang="en-IN" dirty="0"/>
           </a:p>
           <a:p>
+            <a:r>
+              <a:rPr lang="en-IN" b="1" dirty="0"/>
+              <a:t>Coyote point</a:t>
+            </a:r>
+          </a:p>
+          <a:p>
             <a:pPr>
               <a:buNone/>
             </a:pPr>
+            <a:r>
+              <a:rPr lang="en-IN" b="1" dirty="0"/>
+              <a:t>	</a:t>
+            </a:r>
+            <a:r>
+              <a:rPr lang="en-IN" b="1" u="sng" dirty="0"/>
+              <a:t>Software based</a:t>
+            </a:r>
+          </a:p>
+          <a:p>
+            <a:r>
+              <a:rPr lang="en-IN" b="1" dirty="0"/>
+              <a:t>Resonate central dispatch </a:t>
+            </a:r>
+            <a:endParaRPr lang="en-IN" dirty="0"/>
+          </a:p>
+          <a:p>
+            <a:r>
+              <a:rPr lang="en-IN" b="1" dirty="0"/>
+              <a:t>Zen load balancer</a:t>
+            </a:r>
+            <a:endParaRPr lang="en-IN" dirty="0"/>
+          </a:p>
+          <a:p>
+            <a:r>
+              <a:rPr lang="en-IN" b="1" dirty="0"/>
+              <a:t>NGINX Plus</a:t>
+            </a:r>
+            <a:endParaRPr lang="en-IN" dirty="0"/>
+          </a:p>
+          <a:p>
+            <a:endParaRPr lang="en-IN" b="1" dirty="0"/>
+          </a:p>
+          <a:p>
             <a:endParaRPr lang="en-IN" dirty="0"/>
           </a:p>
         </p:txBody>
@@ -5155,7 +5910,148 @@
     </p:spTree>
     <p:extLst>
       <p:ext uri="{BB962C8B-B14F-4D97-AF65-F5344CB8AC3E}">
-        <p14:creationId xmlns:p14="http://schemas.microsoft.com/office/powerpoint/2010/main" val="2783263117"/>
+        <p14:creationId xmlns:p14="http://schemas.microsoft.com/office/powerpoint/2010/main" val="3671110700"/>
+      </p:ext>
+    </p:extLst>
+  </p:cSld>
+  <p:clrMapOvr>
+    <a:masterClrMapping/>
+  </p:clrMapOvr>
+</p:sld>
+</file>
+
+<file path=ppt/slides/slide9.xml><?xml version="1.0" encoding="utf-8"?>
+<p:sld xmlns:a="http://schemas.openxmlformats.org/drawingml/2006/main" xmlns:r="http://schemas.openxmlformats.org/officeDocument/2006/relationships" xmlns:p="http://schemas.openxmlformats.org/presentationml/2006/main">
+  <p:cSld>
+    <p:spTree>
+      <p:nvGrpSpPr>
+        <p:cNvPr id="1" name=""/>
+        <p:cNvGrpSpPr/>
+        <p:nvPr/>
+      </p:nvGrpSpPr>
+      <p:grpSpPr>
+        <a:xfrm>
+          <a:off x="0" y="0"/>
+          <a:ext cx="0" cy="0"/>
+          <a:chOff x="0" y="0"/>
+          <a:chExt cx="0" cy="0"/>
+        </a:xfrm>
+      </p:grpSpPr>
+      <p:sp>
+        <p:nvSpPr>
+          <p:cNvPr id="2" name="Title 1">
+            <a:extLst>
+              <a:ext uri="{FF2B5EF4-FFF2-40B4-BE49-F238E27FC236}">
+                <a16:creationId xmlns:a16="http://schemas.microsoft.com/office/drawing/2014/main" id="{48A4D310-B291-4D20-BF06-D2E67120A7F0}"/>
+              </a:ext>
+            </a:extLst>
+          </p:cNvPr>
+          <p:cNvSpPr>
+            <a:spLocks noGrp="1"/>
+          </p:cNvSpPr>
+          <p:nvPr>
+            <p:ph type="title"/>
+          </p:nvPr>
+        </p:nvSpPr>
+        <p:spPr>
+          <a:xfrm>
+            <a:off x="1130270" y="193670"/>
+            <a:ext cx="9603275" cy="622258"/>
+          </a:xfrm>
+        </p:spPr>
+        <p:txBody>
+          <a:bodyPr/>
+          <a:lstStyle/>
+          <a:p>
+            <a:r>
+              <a:rPr lang="en-US" dirty="0"/>
+              <a:t>How to select/choose load balancers?</a:t>
+            </a:r>
+          </a:p>
+        </p:txBody>
+      </p:sp>
+      <p:sp>
+        <p:nvSpPr>
+          <p:cNvPr id="3" name="Content Placeholder 2">
+            <a:extLst>
+              <a:ext uri="{FF2B5EF4-FFF2-40B4-BE49-F238E27FC236}">
+                <a16:creationId xmlns:a16="http://schemas.microsoft.com/office/drawing/2014/main" id="{FA58160C-C594-455A-B616-D475C94976DA}"/>
+              </a:ext>
+            </a:extLst>
+          </p:cNvPr>
+          <p:cNvSpPr>
+            <a:spLocks noGrp="1"/>
+          </p:cNvSpPr>
+          <p:nvPr>
+            <p:ph idx="1"/>
+          </p:nvPr>
+        </p:nvSpPr>
+        <p:spPr>
+          <a:xfrm>
+            <a:off x="1130270" y="1688124"/>
+            <a:ext cx="9603275" cy="2194560"/>
+          </a:xfrm>
+        </p:spPr>
+        <p:txBody>
+          <a:bodyPr>
+            <a:normAutofit/>
+          </a:bodyPr>
+          <a:lstStyle/>
+          <a:p>
+            <a:r>
+              <a:rPr lang="en-US" sz="2600" dirty="0"/>
+              <a:t>How to define the basic requirements for Load Balancing solution?</a:t>
+            </a:r>
+          </a:p>
+          <a:p>
+            <a:r>
+              <a:rPr lang="en-US" sz="2600" dirty="0"/>
+              <a:t>When would an LB be most useful?</a:t>
+            </a:r>
+          </a:p>
+          <a:p>
+            <a:endParaRPr lang="en-US" sz="2400" dirty="0"/>
+          </a:p>
+        </p:txBody>
+      </p:sp>
+      <p:sp>
+        <p:nvSpPr>
+          <p:cNvPr id="4" name="Rectangle 3">
+            <a:extLst>
+              <a:ext uri="{FF2B5EF4-FFF2-40B4-BE49-F238E27FC236}">
+                <a16:creationId xmlns:a16="http://schemas.microsoft.com/office/drawing/2014/main" id="{7BD31CD2-C307-49D8-BCA8-9619196A726C}"/>
+              </a:ext>
+            </a:extLst>
+          </p:cNvPr>
+          <p:cNvSpPr/>
+          <p:nvPr/>
+        </p:nvSpPr>
+        <p:spPr>
+          <a:xfrm>
+            <a:off x="2841674" y="5384801"/>
+            <a:ext cx="8778241" cy="646331"/>
+          </a:xfrm>
+          <a:prstGeom prst="rect">
+            <a:avLst/>
+          </a:prstGeom>
+        </p:spPr>
+        <p:txBody>
+          <a:bodyPr wrap="square">
+            <a:spAutoFit/>
+          </a:bodyPr>
+          <a:lstStyle/>
+          <a:p>
+            <a:r>
+              <a:rPr lang="en-US" dirty="0"/>
+              <a:t>Reference: https://kemptechnologies.com/load-balancing/four-questions-help-you-decide-load-balancing-solution/</a:t>
+            </a:r>
+          </a:p>
+        </p:txBody>
+      </p:sp>
+    </p:spTree>
+    <p:extLst>
+      <p:ext uri="{BB962C8B-B14F-4D97-AF65-F5344CB8AC3E}">
+        <p14:creationId xmlns:p14="http://schemas.microsoft.com/office/powerpoint/2010/main" val="3403480103"/>
       </p:ext>
     </p:extLst>
   </p:cSld>
@@ -5208,7 +6104,7 @@
     </a:clrScheme>
     <a:fontScheme name="Gallery">
       <a:majorFont>
-        <a:latin typeface="Century Gothic" panose="020B0502020202020204"/>
+        <a:latin typeface="Century Gothic"/>
         <a:ea typeface=""/>
         <a:cs typeface=""/>
         <a:font script="Jpan" typeface="游ゴシック Light"/>
@@ -5243,7 +6139,7 @@
         <a:font script="Geor" typeface="Sylfaen"/>
       </a:majorFont>
       <a:minorFont>
-        <a:latin typeface="Century Gothic" panose="020B0502020202020204"/>
+        <a:latin typeface="Century Gothic"/>
         <a:ea typeface=""/>
         <a:cs typeface=""/>
         <a:font script="Jpan" typeface="游ゴシック"/>
